--- a/Final year ppt[1].pptx
+++ b/Final year ppt[1].pptx
@@ -5,25 +5,25 @@
     <p:sldMasterId id="2147483648" r:id="rId1"/>
   </p:sldMasterIdLst>
   <p:sldIdLst>
-    <p:sldId id="256" r:id="rId3"/>
-    <p:sldId id="257" r:id="rId4"/>
-    <p:sldId id="258" r:id="rId5"/>
-    <p:sldId id="260" r:id="rId6"/>
-    <p:sldId id="259" r:id="rId7"/>
-    <p:sldId id="284" r:id="rId8"/>
-    <p:sldId id="269" r:id="rId9"/>
-    <p:sldId id="261" r:id="rId10"/>
-    <p:sldId id="271" r:id="rId11"/>
-    <p:sldId id="279" r:id="rId12"/>
-    <p:sldId id="274" r:id="rId13"/>
-    <p:sldId id="285" r:id="rId14"/>
-    <p:sldId id="263" r:id="rId15"/>
-    <p:sldId id="282" r:id="rId16"/>
-    <p:sldId id="286" r:id="rId17"/>
-    <p:sldId id="275" r:id="rId18"/>
-    <p:sldId id="277" r:id="rId19"/>
-    <p:sldId id="276" r:id="rId20"/>
-    <p:sldId id="278" r:id="rId21"/>
+    <p:sldId id="256" r:id="rId2"/>
+    <p:sldId id="257" r:id="rId3"/>
+    <p:sldId id="258" r:id="rId4"/>
+    <p:sldId id="260" r:id="rId5"/>
+    <p:sldId id="259" r:id="rId6"/>
+    <p:sldId id="284" r:id="rId7"/>
+    <p:sldId id="269" r:id="rId8"/>
+    <p:sldId id="261" r:id="rId9"/>
+    <p:sldId id="271" r:id="rId10"/>
+    <p:sldId id="279" r:id="rId11"/>
+    <p:sldId id="274" r:id="rId12"/>
+    <p:sldId id="285" r:id="rId13"/>
+    <p:sldId id="263" r:id="rId14"/>
+    <p:sldId id="282" r:id="rId15"/>
+    <p:sldId id="286" r:id="rId16"/>
+    <p:sldId id="275" r:id="rId17"/>
+    <p:sldId id="277" r:id="rId18"/>
+    <p:sldId id="276" r:id="rId19"/>
+    <p:sldId id="278" r:id="rId20"/>
   </p:sldIdLst>
   <p:sldSz cx="9144000" cy="6858000" type="screen4x3"/>
   <p:notesSz cx="7315200" cy="9601200"/>
@@ -212,7 +212,6 @@
               <a:rPr lang="en-US"/>
               <a:t>Click to edit Master title style</a:t>
             </a:r>
-            <a:endParaRPr lang="en-US"/>
           </a:p>
         </p:txBody>
       </p:sp>
@@ -331,7 +330,6 @@
               <a:rPr lang="en-US"/>
               <a:t>Click to edit Master subtitle style</a:t>
             </a:r>
-            <a:endParaRPr lang="en-US"/>
           </a:p>
         </p:txBody>
       </p:sp>
@@ -359,6 +357,7 @@
             </a:pPr>
             <a:fld id="{02D5EA8C-31D8-4AE2-B882-84C84F479477}" type="datetimeFigureOut">
               <a:rPr lang="en-US"/>
+              <a:t>11/25/2025</a:t>
             </a:fld>
             <a:endParaRPr lang="en-US"/>
           </a:p>
@@ -414,6 +413,7 @@
             </a:pPr>
             <a:fld id="{9C1F5670-D3F4-45C7-B985-727ECBBC4E31}" type="slidenum">
               <a:rPr lang="en-US"/>
+              <a:t>‹#›</a:t>
             </a:fld>
             <a:endParaRPr lang="en-US"/>
           </a:p>
@@ -463,7 +463,6 @@
               <a:rPr lang="en-US"/>
               <a:t>Click to edit Master title style</a:t>
             </a:r>
-            <a:endParaRPr lang="en-US"/>
           </a:p>
         </p:txBody>
       </p:sp>
@@ -487,7 +486,6 @@
               <a:rPr lang="en-US"/>
               <a:t>Click to edit Master text styles</a:t>
             </a:r>
-            <a:endParaRPr lang="en-US"/>
           </a:p>
           <a:p>
             <a:pPr lvl="1"/>
@@ -495,7 +493,6 @@
               <a:rPr lang="en-US"/>
               <a:t>Second level</a:t>
             </a:r>
-            <a:endParaRPr lang="en-US"/>
           </a:p>
           <a:p>
             <a:pPr lvl="2"/>
@@ -503,7 +500,6 @@
               <a:rPr lang="en-US"/>
               <a:t>Third level</a:t>
             </a:r>
-            <a:endParaRPr lang="en-US"/>
           </a:p>
           <a:p>
             <a:pPr lvl="3"/>
@@ -511,7 +507,6 @@
               <a:rPr lang="en-US"/>
               <a:t>Fourth level</a:t>
             </a:r>
-            <a:endParaRPr lang="en-US"/>
           </a:p>
           <a:p>
             <a:pPr lvl="4"/>
@@ -519,7 +514,6 @@
               <a:rPr lang="en-US"/>
               <a:t>Fifth level</a:t>
             </a:r>
-            <a:endParaRPr lang="en-US"/>
           </a:p>
         </p:txBody>
       </p:sp>
@@ -547,6 +541,7 @@
             </a:pPr>
             <a:fld id="{459876BE-1A06-47CE-A4A2-6C5C1D1C326F}" type="datetimeFigureOut">
               <a:rPr lang="en-US"/>
+              <a:t>11/25/2025</a:t>
             </a:fld>
             <a:endParaRPr lang="en-US"/>
           </a:p>
@@ -602,6 +597,7 @@
             </a:pPr>
             <a:fld id="{BEE3F1DD-6A4D-4A6A-9723-33B3A792EBB9}" type="slidenum">
               <a:rPr lang="en-US"/>
+              <a:t>‹#›</a:t>
             </a:fld>
             <a:endParaRPr lang="en-US"/>
           </a:p>
@@ -656,7 +652,6 @@
               <a:rPr lang="en-US"/>
               <a:t>Click to edit Master title style</a:t>
             </a:r>
-            <a:endParaRPr lang="en-US"/>
           </a:p>
         </p:txBody>
       </p:sp>
@@ -685,7 +680,6 @@
               <a:rPr lang="en-US"/>
               <a:t>Click to edit Master text styles</a:t>
             </a:r>
-            <a:endParaRPr lang="en-US"/>
           </a:p>
           <a:p>
             <a:pPr lvl="1"/>
@@ -693,7 +687,6 @@
               <a:rPr lang="en-US"/>
               <a:t>Second level</a:t>
             </a:r>
-            <a:endParaRPr lang="en-US"/>
           </a:p>
           <a:p>
             <a:pPr lvl="2"/>
@@ -701,7 +694,6 @@
               <a:rPr lang="en-US"/>
               <a:t>Third level</a:t>
             </a:r>
-            <a:endParaRPr lang="en-US"/>
           </a:p>
           <a:p>
             <a:pPr lvl="3"/>
@@ -709,7 +701,6 @@
               <a:rPr lang="en-US"/>
               <a:t>Fourth level</a:t>
             </a:r>
-            <a:endParaRPr lang="en-US"/>
           </a:p>
           <a:p>
             <a:pPr lvl="4"/>
@@ -717,7 +708,6 @@
               <a:rPr lang="en-US"/>
               <a:t>Fifth level</a:t>
             </a:r>
-            <a:endParaRPr lang="en-US"/>
           </a:p>
         </p:txBody>
       </p:sp>
@@ -745,6 +735,7 @@
             </a:pPr>
             <a:fld id="{ACE2D721-3603-4DC2-ACAB-C8C719AFE1B1}" type="datetimeFigureOut">
               <a:rPr lang="en-US"/>
+              <a:t>11/25/2025</a:t>
             </a:fld>
             <a:endParaRPr lang="en-US"/>
           </a:p>
@@ -800,6 +791,7 @@
             </a:pPr>
             <a:fld id="{C1A63DAF-319D-456B-AC92-51897CFD44FC}" type="slidenum">
               <a:rPr lang="en-US"/>
+              <a:t>‹#›</a:t>
             </a:fld>
             <a:endParaRPr lang="en-US"/>
           </a:p>
@@ -849,7 +841,6 @@
               <a:rPr lang="en-US"/>
               <a:t>Click to edit Master title style</a:t>
             </a:r>
-            <a:endParaRPr lang="en-US"/>
           </a:p>
         </p:txBody>
       </p:sp>
@@ -873,7 +864,6 @@
               <a:rPr lang="en-US"/>
               <a:t>Click to edit Master text styles</a:t>
             </a:r>
-            <a:endParaRPr lang="en-US"/>
           </a:p>
           <a:p>
             <a:pPr lvl="1"/>
@@ -881,7 +871,6 @@
               <a:rPr lang="en-US"/>
               <a:t>Second level</a:t>
             </a:r>
-            <a:endParaRPr lang="en-US"/>
           </a:p>
           <a:p>
             <a:pPr lvl="2"/>
@@ -889,7 +878,6 @@
               <a:rPr lang="en-US"/>
               <a:t>Third level</a:t>
             </a:r>
-            <a:endParaRPr lang="en-US"/>
           </a:p>
           <a:p>
             <a:pPr lvl="3"/>
@@ -897,7 +885,6 @@
               <a:rPr lang="en-US"/>
               <a:t>Fourth level</a:t>
             </a:r>
-            <a:endParaRPr lang="en-US"/>
           </a:p>
           <a:p>
             <a:pPr lvl="4"/>
@@ -905,7 +892,6 @@
               <a:rPr lang="en-US"/>
               <a:t>Fifth level</a:t>
             </a:r>
-            <a:endParaRPr lang="en-US"/>
           </a:p>
         </p:txBody>
       </p:sp>
@@ -933,6 +919,7 @@
             </a:pPr>
             <a:fld id="{AD9CD17A-954D-467D-91A5-E7BCAA89A8CF}" type="datetimeFigureOut">
               <a:rPr lang="en-US"/>
+              <a:t>11/25/2025</a:t>
             </a:fld>
             <a:endParaRPr lang="en-US"/>
           </a:p>
@@ -988,6 +975,7 @@
             </a:pPr>
             <a:fld id="{E23E33BD-E18E-4BE1-9714-EE4282389175}" type="slidenum">
               <a:rPr lang="en-US"/>
+              <a:t>‹#›</a:t>
             </a:fld>
             <a:endParaRPr lang="en-US"/>
           </a:p>
@@ -1046,7 +1034,6 @@
               <a:rPr lang="en-US"/>
               <a:t>Click to edit Master title style</a:t>
             </a:r>
-            <a:endParaRPr lang="en-US"/>
           </a:p>
         </p:txBody>
       </p:sp>
@@ -1166,7 +1153,6 @@
               <a:rPr lang="en-US"/>
               <a:t>Click to edit Master text styles</a:t>
             </a:r>
-            <a:endParaRPr lang="en-US"/>
           </a:p>
         </p:txBody>
       </p:sp>
@@ -1194,6 +1180,7 @@
             </a:pPr>
             <a:fld id="{9B7D8F27-B1E0-4579-A0D4-F4DE761D87B0}" type="datetimeFigureOut">
               <a:rPr lang="en-US"/>
+              <a:t>11/25/2025</a:t>
             </a:fld>
             <a:endParaRPr lang="en-US"/>
           </a:p>
@@ -1249,6 +1236,7 @@
             </a:pPr>
             <a:fld id="{F794A030-EF6A-4762-B30C-DE8655F57C18}" type="slidenum">
               <a:rPr lang="en-US"/>
+              <a:t>‹#›</a:t>
             </a:fld>
             <a:endParaRPr lang="en-US"/>
           </a:p>
@@ -1298,7 +1286,6 @@
               <a:rPr lang="en-US"/>
               <a:t>Click to edit Master title style</a:t>
             </a:r>
-            <a:endParaRPr lang="en-US"/>
           </a:p>
         </p:txBody>
       </p:sp>
@@ -1355,7 +1342,6 @@
               <a:rPr lang="en-US"/>
               <a:t>Click to edit Master text styles</a:t>
             </a:r>
-            <a:endParaRPr lang="en-US"/>
           </a:p>
           <a:p>
             <a:pPr lvl="1"/>
@@ -1363,7 +1349,6 @@
               <a:rPr lang="en-US"/>
               <a:t>Second level</a:t>
             </a:r>
-            <a:endParaRPr lang="en-US"/>
           </a:p>
           <a:p>
             <a:pPr lvl="2"/>
@@ -1371,7 +1356,6 @@
               <a:rPr lang="en-US"/>
               <a:t>Third level</a:t>
             </a:r>
-            <a:endParaRPr lang="en-US"/>
           </a:p>
           <a:p>
             <a:pPr lvl="3"/>
@@ -1379,7 +1363,6 @@
               <a:rPr lang="en-US"/>
               <a:t>Fourth level</a:t>
             </a:r>
-            <a:endParaRPr lang="en-US"/>
           </a:p>
           <a:p>
             <a:pPr lvl="4"/>
@@ -1387,7 +1370,6 @@
               <a:rPr lang="en-US"/>
               <a:t>Fifth level</a:t>
             </a:r>
-            <a:endParaRPr lang="en-US"/>
           </a:p>
         </p:txBody>
       </p:sp>
@@ -1444,7 +1426,6 @@
               <a:rPr lang="en-US"/>
               <a:t>Click to edit Master text styles</a:t>
             </a:r>
-            <a:endParaRPr lang="en-US"/>
           </a:p>
           <a:p>
             <a:pPr lvl="1"/>
@@ -1452,7 +1433,6 @@
               <a:rPr lang="en-US"/>
               <a:t>Second level</a:t>
             </a:r>
-            <a:endParaRPr lang="en-US"/>
           </a:p>
           <a:p>
             <a:pPr lvl="2"/>
@@ -1460,7 +1440,6 @@
               <a:rPr lang="en-US"/>
               <a:t>Third level</a:t>
             </a:r>
-            <a:endParaRPr lang="en-US"/>
           </a:p>
           <a:p>
             <a:pPr lvl="3"/>
@@ -1468,7 +1447,6 @@
               <a:rPr lang="en-US"/>
               <a:t>Fourth level</a:t>
             </a:r>
-            <a:endParaRPr lang="en-US"/>
           </a:p>
           <a:p>
             <a:pPr lvl="4"/>
@@ -1476,7 +1454,6 @@
               <a:rPr lang="en-US"/>
               <a:t>Fifth level</a:t>
             </a:r>
-            <a:endParaRPr lang="en-US"/>
           </a:p>
         </p:txBody>
       </p:sp>
@@ -1504,6 +1481,7 @@
             </a:pPr>
             <a:fld id="{21E9A495-73A6-4F65-8AAC-5D89FFE343E7}" type="datetimeFigureOut">
               <a:rPr lang="en-US"/>
+              <a:t>11/25/2025</a:t>
             </a:fld>
             <a:endParaRPr lang="en-US"/>
           </a:p>
@@ -1559,6 +1537,7 @@
             </a:pPr>
             <a:fld id="{1367087B-68C8-47F2-B5D0-EF32CB23F865}" type="slidenum">
               <a:rPr lang="en-US"/>
+              <a:t>‹#›</a:t>
             </a:fld>
             <a:endParaRPr lang="en-US"/>
           </a:p>
@@ -1612,7 +1591,6 @@
               <a:rPr lang="en-US"/>
               <a:t>Click to edit Master title style</a:t>
             </a:r>
-            <a:endParaRPr lang="en-US"/>
           </a:p>
         </p:txBody>
       </p:sp>
@@ -1678,7 +1656,6 @@
               <a:rPr lang="en-US"/>
               <a:t>Click to edit Master text styles</a:t>
             </a:r>
-            <a:endParaRPr lang="en-US"/>
           </a:p>
         </p:txBody>
       </p:sp>
@@ -1735,7 +1712,6 @@
               <a:rPr lang="en-US"/>
               <a:t>Click to edit Master text styles</a:t>
             </a:r>
-            <a:endParaRPr lang="en-US"/>
           </a:p>
           <a:p>
             <a:pPr lvl="1"/>
@@ -1743,7 +1719,6 @@
               <a:rPr lang="en-US"/>
               <a:t>Second level</a:t>
             </a:r>
-            <a:endParaRPr lang="en-US"/>
           </a:p>
           <a:p>
             <a:pPr lvl="2"/>
@@ -1751,7 +1726,6 @@
               <a:rPr lang="en-US"/>
               <a:t>Third level</a:t>
             </a:r>
-            <a:endParaRPr lang="en-US"/>
           </a:p>
           <a:p>
             <a:pPr lvl="3"/>
@@ -1759,7 +1733,6 @@
               <a:rPr lang="en-US"/>
               <a:t>Fourth level</a:t>
             </a:r>
-            <a:endParaRPr lang="en-US"/>
           </a:p>
           <a:p>
             <a:pPr lvl="4"/>
@@ -1767,7 +1740,6 @@
               <a:rPr lang="en-US"/>
               <a:t>Fifth level</a:t>
             </a:r>
-            <a:endParaRPr lang="en-US"/>
           </a:p>
         </p:txBody>
       </p:sp>
@@ -1833,7 +1805,6 @@
               <a:rPr lang="en-US"/>
               <a:t>Click to edit Master text styles</a:t>
             </a:r>
-            <a:endParaRPr lang="en-US"/>
           </a:p>
         </p:txBody>
       </p:sp>
@@ -1890,7 +1861,6 @@
               <a:rPr lang="en-US"/>
               <a:t>Click to edit Master text styles</a:t>
             </a:r>
-            <a:endParaRPr lang="en-US"/>
           </a:p>
           <a:p>
             <a:pPr lvl="1"/>
@@ -1898,7 +1868,6 @@
               <a:rPr lang="en-US"/>
               <a:t>Second level</a:t>
             </a:r>
-            <a:endParaRPr lang="en-US"/>
           </a:p>
           <a:p>
             <a:pPr lvl="2"/>
@@ -1906,7 +1875,6 @@
               <a:rPr lang="en-US"/>
               <a:t>Third level</a:t>
             </a:r>
-            <a:endParaRPr lang="en-US"/>
           </a:p>
           <a:p>
             <a:pPr lvl="3"/>
@@ -1914,7 +1882,6 @@
               <a:rPr lang="en-US"/>
               <a:t>Fourth level</a:t>
             </a:r>
-            <a:endParaRPr lang="en-US"/>
           </a:p>
           <a:p>
             <a:pPr lvl="4"/>
@@ -1922,7 +1889,6 @@
               <a:rPr lang="en-US"/>
               <a:t>Fifth level</a:t>
             </a:r>
-            <a:endParaRPr lang="en-US"/>
           </a:p>
         </p:txBody>
       </p:sp>
@@ -1950,6 +1916,7 @@
             </a:pPr>
             <a:fld id="{04590D62-48B1-4815-B83E-6D1A5DC794AF}" type="datetimeFigureOut">
               <a:rPr lang="en-US"/>
+              <a:t>11/25/2025</a:t>
             </a:fld>
             <a:endParaRPr lang="en-US"/>
           </a:p>
@@ -2005,6 +1972,7 @@
             </a:pPr>
             <a:fld id="{A4497330-42CC-42AC-87F9-5A3675C691E0}" type="slidenum">
               <a:rPr lang="en-US"/>
+              <a:t>‹#›</a:t>
             </a:fld>
             <a:endParaRPr lang="en-US"/>
           </a:p>
@@ -2054,7 +2022,6 @@
               <a:rPr lang="en-US"/>
               <a:t>Click to edit Master title style</a:t>
             </a:r>
-            <a:endParaRPr lang="en-US"/>
           </a:p>
         </p:txBody>
       </p:sp>
@@ -2082,6 +2049,7 @@
             </a:pPr>
             <a:fld id="{0FD49768-A570-41B7-95C0-54055C4A81EA}" type="datetimeFigureOut">
               <a:rPr lang="en-US"/>
+              <a:t>11/25/2025</a:t>
             </a:fld>
             <a:endParaRPr lang="en-US"/>
           </a:p>
@@ -2137,6 +2105,7 @@
             </a:pPr>
             <a:fld id="{E06CAFDE-0C38-456D-B802-21864C3F830D}" type="slidenum">
               <a:rPr lang="en-US"/>
+              <a:t>‹#›</a:t>
             </a:fld>
             <a:endParaRPr lang="en-US"/>
           </a:p>
@@ -2191,6 +2160,7 @@
             </a:pPr>
             <a:fld id="{6923B2D8-3E52-4F62-9DC4-54C38533946B}" type="datetimeFigureOut">
               <a:rPr lang="en-US"/>
+              <a:t>11/25/2025</a:t>
             </a:fld>
             <a:endParaRPr lang="en-US"/>
           </a:p>
@@ -2246,6 +2216,7 @@
             </a:pPr>
             <a:fld id="{84B0D651-56A8-4CE0-9D94-65BDDFDEBFA7}" type="slidenum">
               <a:rPr lang="en-US"/>
+              <a:t>‹#›</a:t>
             </a:fld>
             <a:endParaRPr lang="en-US"/>
           </a:p>
@@ -2304,7 +2275,6 @@
               <a:rPr lang="en-US"/>
               <a:t>Click to edit Master title style</a:t>
             </a:r>
-            <a:endParaRPr lang="en-US"/>
           </a:p>
         </p:txBody>
       </p:sp>
@@ -2361,7 +2331,6 @@
               <a:rPr lang="en-US"/>
               <a:t>Click to edit Master text styles</a:t>
             </a:r>
-            <a:endParaRPr lang="en-US"/>
           </a:p>
           <a:p>
             <a:pPr lvl="1"/>
@@ -2369,7 +2338,6 @@
               <a:rPr lang="en-US"/>
               <a:t>Second level</a:t>
             </a:r>
-            <a:endParaRPr lang="en-US"/>
           </a:p>
           <a:p>
             <a:pPr lvl="2"/>
@@ -2377,7 +2345,6 @@
               <a:rPr lang="en-US"/>
               <a:t>Third level</a:t>
             </a:r>
-            <a:endParaRPr lang="en-US"/>
           </a:p>
           <a:p>
             <a:pPr lvl="3"/>
@@ -2385,7 +2352,6 @@
               <a:rPr lang="en-US"/>
               <a:t>Fourth level</a:t>
             </a:r>
-            <a:endParaRPr lang="en-US"/>
           </a:p>
           <a:p>
             <a:pPr lvl="4"/>
@@ -2393,7 +2359,6 @@
               <a:rPr lang="en-US"/>
               <a:t>Fifth level</a:t>
             </a:r>
-            <a:endParaRPr lang="en-US"/>
           </a:p>
         </p:txBody>
       </p:sp>
@@ -2459,7 +2424,6 @@
               <a:rPr lang="en-US"/>
               <a:t>Click to edit Master text styles</a:t>
             </a:r>
-            <a:endParaRPr lang="en-US"/>
           </a:p>
         </p:txBody>
       </p:sp>
@@ -2487,6 +2451,7 @@
             </a:pPr>
             <a:fld id="{99B30D5C-5BFF-46B6-BA99-36AC4468BF79}" type="datetimeFigureOut">
               <a:rPr lang="en-US"/>
+              <a:t>11/25/2025</a:t>
             </a:fld>
             <a:endParaRPr lang="en-US"/>
           </a:p>
@@ -2542,6 +2507,7 @@
             </a:pPr>
             <a:fld id="{217F8457-8BC5-42F4-9665-36B7DF8528E8}" type="slidenum">
               <a:rPr lang="en-US"/>
+              <a:t>‹#›</a:t>
             </a:fld>
             <a:endParaRPr lang="en-US"/>
           </a:p>
@@ -2600,7 +2566,6 @@
               <a:rPr lang="en-US"/>
               <a:t>Click to edit Master title style</a:t>
             </a:r>
-            <a:endParaRPr lang="en-US"/>
           </a:p>
         </p:txBody>
       </p:sp>
@@ -2730,7 +2695,6 @@
               <a:rPr lang="en-US"/>
               <a:t>Click to edit Master text styles</a:t>
             </a:r>
-            <a:endParaRPr lang="en-US"/>
           </a:p>
         </p:txBody>
       </p:sp>
@@ -2758,6 +2722,7 @@
             </a:pPr>
             <a:fld id="{67F9CFCE-761F-40B2-848A-CB9D594FBAFC}" type="datetimeFigureOut">
               <a:rPr lang="en-US"/>
+              <a:t>11/25/2025</a:t>
             </a:fld>
             <a:endParaRPr lang="en-US"/>
           </a:p>
@@ -2813,6 +2778,7 @@
             </a:pPr>
             <a:fld id="{B370734B-61FB-498A-8F45-B91ADB27494E}" type="slidenum">
               <a:rPr lang="en-US"/>
+              <a:t>‹#›</a:t>
             </a:fld>
             <a:endParaRPr lang="en-US"/>
           </a:p>
@@ -2832,7 +2798,7 @@
     <p:bg>
       <p:bgPr>
         <a:blipFill dpi="0" rotWithShape="1">
-          <a:blip r:embed="rId12" cstate="print">
+          <a:blip r:embed="rId13" cstate="print">
             <a:lum/>
           </a:blip>
           <a:srcRect/>
@@ -2908,7 +2874,6 @@
               <a:rPr lang="en-US"/>
               <a:t>Click to edit Master title style</a:t>
             </a:r>
-            <a:endParaRPr lang="en-US"/>
           </a:p>
         </p:txBody>
       </p:sp>
@@ -2963,7 +2928,6 @@
               <a:rPr lang="en-US"/>
               <a:t>Click to edit Master text styles</a:t>
             </a:r>
-            <a:endParaRPr lang="en-US"/>
           </a:p>
           <a:p>
             <a:pPr lvl="1"/>
@@ -2971,7 +2935,6 @@
               <a:rPr lang="en-US"/>
               <a:t>Second level</a:t>
             </a:r>
-            <a:endParaRPr lang="en-US"/>
           </a:p>
           <a:p>
             <a:pPr lvl="2"/>
@@ -2979,7 +2942,6 @@
               <a:rPr lang="en-US"/>
               <a:t>Third level</a:t>
             </a:r>
-            <a:endParaRPr lang="en-US"/>
           </a:p>
           <a:p>
             <a:pPr lvl="3"/>
@@ -2987,7 +2949,6 @@
               <a:rPr lang="en-US"/>
               <a:t>Fourth level</a:t>
             </a:r>
-            <a:endParaRPr lang="en-US"/>
           </a:p>
           <a:p>
             <a:pPr lvl="4"/>
@@ -2995,7 +2956,6 @@
               <a:rPr lang="en-US"/>
               <a:t>Fifth level</a:t>
             </a:r>
-            <a:endParaRPr lang="en-US"/>
           </a:p>
         </p:txBody>
       </p:sp>
@@ -3037,6 +2997,7 @@
             </a:pPr>
             <a:fld id="{500E64A2-E0A4-4DC6-9829-7CF64BBF5B65}" type="datetimeFigureOut">
               <a:rPr lang="en-US"/>
+              <a:t>11/25/2025</a:t>
             </a:fld>
             <a:endParaRPr lang="en-US"/>
           </a:p>
@@ -3120,6 +3081,7 @@
             </a:pPr>
             <a:fld id="{C6E01495-F694-4C46-966A-5FC739EB7C9F}" type="slidenum">
               <a:rPr lang="en-US"/>
+              <a:t>‹#›</a:t>
             </a:fld>
             <a:endParaRPr lang="en-US"/>
           </a:p>
@@ -3529,7 +3491,7 @@
     <p:bg>
       <p:bgPr>
         <a:blipFill dpi="0" rotWithShape="1">
-          <a:blip r:embed="rId1" cstate="print">
+          <a:blip r:embed="rId2" cstate="print">
             <a:lum/>
           </a:blip>
           <a:srcRect/>
@@ -3574,7 +3536,6 @@
               <a:rPr lang="en-US" dirty="0"/>
               <a:t>Final Year Project</a:t>
             </a:r>
-            <a:endParaRPr lang="en-US" dirty="0"/>
           </a:p>
         </p:txBody>
       </p:sp>
@@ -3609,9 +3570,6 @@
               </a:rPr>
               <a:t>Skill Link</a:t>
             </a:r>
-            <a:endParaRPr lang="en-US" dirty="0">
-              <a:sym typeface="+mn-ea"/>
-            </a:endParaRPr>
           </a:p>
           <a:p>
             <a:pPr marL="63500" eaLnBrk="1" fontAlgn="auto" hangingPunct="1">
@@ -3626,7 +3584,6 @@
               <a:rPr lang="en-US" sz="1400" dirty="0"/>
               <a:t>Supervised By:Mr Muhammad Nadeem Khan</a:t>
             </a:r>
-            <a:endParaRPr lang="en-US" sz="1400" dirty="0"/>
           </a:p>
         </p:txBody>
       </p:sp>
@@ -3639,7 +3596,7 @@
           <p:nvPr/>
         </p:nvPicPr>
         <p:blipFill>
-          <a:blip r:embed="rId2" cstate="print">
+          <a:blip r:embed="rId3" cstate="print">
             <a:extLst>
               <a:ext uri="{28A0092B-C50C-407E-A947-70E740481C1C}">
                 <a14:useLocalDpi xmlns:a14="http://schemas.microsoft.com/office/drawing/2010/main" val="0"/>
@@ -3728,7 +3685,6 @@
               <a:rPr lang="en-US" dirty="0"/>
               <a:t>Design</a:t>
             </a:r>
-            <a:endParaRPr lang="en-US" dirty="0"/>
           </a:p>
         </p:txBody>
       </p:sp>
@@ -3752,18 +3708,12 @@
               <a:buChar char="•"/>
             </a:pPr>
             <a:r>
-              <a:rPr lang="en-US" sz="2400" b="1" dirty="0" smtClean="0">
-                <a:latin typeface="Times New Roman" panose="02020603050405020304" pitchFamily="18" charset="0"/>
+              <a:rPr lang="en-US" sz="2400" b="1" dirty="0">
                 <a:cs typeface="Times New Roman" panose="02020603050405020304" pitchFamily="18" charset="0"/>
                 <a:sym typeface="+mn-ea"/>
               </a:rPr>
               <a:t>Model View Controller Diagram</a:t>
             </a:r>
-            <a:endParaRPr lang="en-US" sz="2400" b="1" dirty="0" smtClean="0">
-              <a:latin typeface="Times New Roman" panose="02020603050405020304" pitchFamily="18" charset="0"/>
-              <a:cs typeface="Times New Roman" panose="02020603050405020304" pitchFamily="18" charset="0"/>
-              <a:sym typeface="+mn-ea"/>
-            </a:endParaRPr>
           </a:p>
           <a:p>
             <a:pPr>
@@ -3771,18 +3721,12 @@
               <a:buChar char="•"/>
             </a:pPr>
             <a:r>
-              <a:rPr lang="en-US" sz="2400" b="1" dirty="0" smtClean="0">
-                <a:latin typeface="Times New Roman" panose="02020603050405020304" pitchFamily="18" charset="0"/>
+              <a:rPr lang="en-US" sz="2400" b="1" dirty="0">
                 <a:cs typeface="Times New Roman" panose="02020603050405020304" pitchFamily="18" charset="0"/>
                 <a:sym typeface="+mn-ea"/>
               </a:rPr>
               <a:t>Use-Case Diagram</a:t>
             </a:r>
-            <a:endParaRPr lang="en-US" sz="2400" b="1" dirty="0" smtClean="0">
-              <a:latin typeface="Times New Roman" panose="02020603050405020304" pitchFamily="18" charset="0"/>
-              <a:cs typeface="Times New Roman" panose="02020603050405020304" pitchFamily="18" charset="0"/>
-              <a:sym typeface="+mn-ea"/>
-            </a:endParaRPr>
           </a:p>
           <a:p>
             <a:pPr>
@@ -3793,7 +3737,6 @@
               <a:rPr lang="en-US" sz="2400" b="1" dirty="0"/>
               <a:t>Class Diagram</a:t>
             </a:r>
-            <a:endParaRPr lang="en-US" sz="2400" b="1" dirty="0"/>
           </a:p>
           <a:p>
             <a:pPr>
@@ -3804,7 +3747,6 @@
               <a:rPr lang="en-US" sz="2400" b="1" dirty="0"/>
               <a:t>Activity Diagrams</a:t>
             </a:r>
-            <a:endParaRPr lang="en-US" sz="2400" b="1" dirty="0"/>
           </a:p>
           <a:p>
             <a:pPr>
@@ -3815,6 +3757,12 @@
               <a:rPr lang="en-US" sz="2400" b="1" dirty="0"/>
               <a:t>Development Diagram</a:t>
             </a:r>
+          </a:p>
+          <a:p>
+            <a:pPr>
+              <a:buFont typeface="Arial" panose="020B0604020202020204" pitchFamily="34" charset="0"/>
+              <a:buChar char="•"/>
+            </a:pPr>
             <a:endParaRPr lang="en-US" sz="2400" b="1" dirty="0"/>
           </a:p>
           <a:p>
@@ -3870,7 +3818,6 @@
               <a:rPr lang="en-US" dirty="0"/>
               <a:t>Implementation</a:t>
             </a:r>
-            <a:endParaRPr lang="en-US" dirty="0"/>
           </a:p>
         </p:txBody>
       </p:sp>
@@ -3893,7 +3840,6 @@
               <a:rPr lang="en-US" dirty="0"/>
               <a:t>List Development Tools &amp; Technologies</a:t>
             </a:r>
-            <a:endParaRPr lang="en-US" dirty="0"/>
           </a:p>
           <a:p>
             <a:pPr marL="0" indent="0">
@@ -3909,34 +3855,265 @@
           <p:cNvGraphicFramePr>
             <a:graphicFrameLocks noGrp="1"/>
           </p:cNvGraphicFramePr>
-          <p:nvPr/>
+          <p:nvPr>
+            <p:extLst>
+              <p:ext uri="{D42A27DB-BD31-4B8C-83A1-F6EECF244321}">
+                <p14:modId xmlns:p14="http://schemas.microsoft.com/office/powerpoint/2010/main" val="991753151"/>
+              </p:ext>
+            </p:extLst>
+          </p:nvPr>
         </p:nvGraphicFramePr>
         <p:xfrm>
           <a:off x="914400" y="2133600"/>
-          <a:ext cx="6096000" cy="2895600"/>
+          <a:ext cx="6096000" cy="2834640"/>
         </p:xfrm>
         <a:graphic>
           <a:graphicData uri="http://schemas.openxmlformats.org/drawingml/2006/table">
             <a:tbl>
               <a:tblPr firstRow="1" bandRow="1"/>
               <a:tblGrid>
-                <a:gridCol w="3048000"/>
-                <a:gridCol w="3048000"/>
+                <a:gridCol w="3048000">
+                  <a:extLst>
+                    <a:ext uri="{9D8B030D-6E8A-4147-A177-3AD203B41FA5}">
+                      <a16:colId xmlns:a16="http://schemas.microsoft.com/office/drawing/2014/main" val="20000"/>
+                    </a:ext>
+                  </a:extLst>
+                </a:gridCol>
+                <a:gridCol w="3048000">
+                  <a:extLst>
+                    <a:ext uri="{9D8B030D-6E8A-4147-A177-3AD203B41FA5}">
+                      <a16:colId xmlns:a16="http://schemas.microsoft.com/office/drawing/2014/main" val="20001"/>
+                    </a:ext>
+                  </a:extLst>
+                </a:gridCol>
               </a:tblGrid>
               <a:tr h="218440">
                 <a:tc>
                   <a:txBody>
                     <a:bodyPr/>
+                    <a:lstStyle/>
                     <a:p>
                       <a:r>
-                        <a:rPr lang="en-US" b="1" dirty="0" smtClean="0">
-                          <a:latin typeface="Times New Roman" panose="02020603050405020304" pitchFamily="18" charset="0"/>
+                        <a:rPr lang="en-US" b="1" dirty="0">
+                          <a:latin typeface="+mn-lt"/>
                           <a:cs typeface="Times New Roman" panose="02020603050405020304" pitchFamily="18" charset="0"/>
                         </a:rPr>
                         <a:t>Tools</a:t>
                       </a:r>
-                      <a:endParaRPr lang="en-US" b="1" dirty="0" smtClean="0">
-                        <a:latin typeface="Times New Roman" panose="02020603050405020304" pitchFamily="18" charset="0"/>
+                    </a:p>
+                  </a:txBody>
+                  <a:tcPr>
+                    <a:lnL w="12700" cmpd="sng">
+                      <a:noFill/>
+                      <a:prstDash val="solid"/>
+                    </a:lnL>
+                    <a:lnR w="12700" cmpd="sng">
+                      <a:noFill/>
+                      <a:prstDash val="solid"/>
+                    </a:lnR>
+                    <a:lnT w="12700" cmpd="sng">
+                      <a:noFill/>
+                      <a:prstDash val="solid"/>
+                    </a:lnT>
+                    <a:lnB w="12700" cmpd="sng">
+                      <a:noFill/>
+                      <a:prstDash val="solid"/>
+                    </a:lnB>
+                    <a:lnTlToBr w="12700" cmpd="sng">
+                      <a:noFill/>
+                      <a:prstDash val="solid"/>
+                    </a:lnTlToBr>
+                    <a:lnBlToTr w="12700" cmpd="sng">
+                      <a:noFill/>
+                      <a:prstDash val="solid"/>
+                    </a:lnBlToTr>
+                  </a:tcPr>
+                </a:tc>
+                <a:tc>
+                  <a:txBody>
+                    <a:bodyPr/>
+                    <a:lstStyle/>
+                    <a:p>
+                      <a:r>
+                        <a:rPr lang="en-US" b="1" dirty="0">
+                          <a:latin typeface="+mn-lt"/>
+                          <a:cs typeface="Times New Roman" panose="02020603050405020304" pitchFamily="18" charset="0"/>
+                        </a:rPr>
+                        <a:t>Technologies</a:t>
+                      </a:r>
+                    </a:p>
+                  </a:txBody>
+                  <a:tcPr>
+                    <a:lnL w="12700" cmpd="sng">
+                      <a:noFill/>
+                      <a:prstDash val="solid"/>
+                    </a:lnL>
+                    <a:lnR w="12700" cmpd="sng">
+                      <a:noFill/>
+                      <a:prstDash val="solid"/>
+                    </a:lnR>
+                    <a:lnT w="12700" cmpd="sng">
+                      <a:noFill/>
+                      <a:prstDash val="solid"/>
+                    </a:lnT>
+                    <a:lnB w="12700" cmpd="sng">
+                      <a:noFill/>
+                      <a:prstDash val="solid"/>
+                    </a:lnB>
+                    <a:lnTlToBr w="12700" cmpd="sng">
+                      <a:noFill/>
+                      <a:prstDash val="solid"/>
+                    </a:lnTlToBr>
+                    <a:lnBlToTr w="12700" cmpd="sng">
+                      <a:noFill/>
+                      <a:prstDash val="solid"/>
+                    </a:lnBlToTr>
+                  </a:tcPr>
+                </a:tc>
+                <a:extLst>
+                  <a:ext uri="{0D108BD9-81ED-4DB2-BD59-A6C34878D82A}">
+                    <a16:rowId xmlns:a16="http://schemas.microsoft.com/office/drawing/2014/main" val="10000"/>
+                  </a:ext>
+                </a:extLst>
+              </a:tr>
+              <a:tr h="370840">
+                <a:tc>
+                  <a:txBody>
+                    <a:bodyPr/>
+                    <a:lstStyle/>
+                    <a:p>
+                      <a:pPr rtl="0"/>
+                      <a:r>
+                        <a:rPr lang="en-US" sz="2000" b="0" i="0" u="none" strike="noStrike" kern="1200" dirty="0">
+                          <a:solidFill>
+                            <a:schemeClr val="tx1"/>
+                          </a:solidFill>
+                          <a:effectLst/>
+                          <a:latin typeface="+mn-lt"/>
+                          <a:ea typeface="+mn-ea"/>
+                          <a:cs typeface="Times New Roman" panose="02020603050405020304" pitchFamily="18" charset="0"/>
+                        </a:rPr>
+                        <a:t>• Visual Studio Code</a:t>
+                      </a:r>
+                      <a:endParaRPr lang="en-US" sz="2000" b="0" dirty="0">
+                        <a:effectLst/>
+                        <a:latin typeface="+mn-lt"/>
+                        <a:cs typeface="Times New Roman" panose="02020603050405020304" pitchFamily="18" charset="0"/>
+                      </a:endParaRPr>
+                    </a:p>
+                    <a:p>
+                      <a:pPr rtl="0"/>
+                      <a:r>
+                        <a:rPr lang="en-US" sz="2000" b="0" i="0" u="none" strike="noStrike" kern="1200" dirty="0">
+                          <a:solidFill>
+                            <a:schemeClr val="tx1"/>
+                          </a:solidFill>
+                          <a:effectLst/>
+                          <a:latin typeface="+mn-lt"/>
+                          <a:ea typeface="+mn-ea"/>
+                          <a:cs typeface="Times New Roman" panose="02020603050405020304" pitchFamily="18" charset="0"/>
+                        </a:rPr>
+                        <a:t>• Andorid Studio</a:t>
+                      </a:r>
+                      <a:endParaRPr lang="en-US" sz="2000" b="0" dirty="0">
+                        <a:effectLst/>
+                        <a:latin typeface="+mn-lt"/>
+                        <a:cs typeface="Times New Roman" panose="02020603050405020304" pitchFamily="18" charset="0"/>
+                      </a:endParaRPr>
+                    </a:p>
+                    <a:p>
+                      <a:pPr rtl="0"/>
+                      <a:r>
+                        <a:rPr lang="en-US" sz="2000" b="0" i="0" u="none" strike="noStrike" kern="1200" dirty="0">
+                          <a:solidFill>
+                            <a:schemeClr val="tx1"/>
+                          </a:solidFill>
+                          <a:effectLst/>
+                          <a:latin typeface="+mn-lt"/>
+                          <a:ea typeface="+mn-ea"/>
+                          <a:cs typeface="Times New Roman" panose="02020603050405020304" pitchFamily="18" charset="0"/>
+                        </a:rPr>
+                        <a:t>• Visual Paradigm</a:t>
+                      </a:r>
+                      <a:endParaRPr lang="en-US" sz="2000" b="0" dirty="0">
+                        <a:effectLst/>
+                        <a:latin typeface="+mn-lt"/>
+                        <a:cs typeface="Times New Roman" panose="02020603050405020304" pitchFamily="18" charset="0"/>
+                      </a:endParaRPr>
+                    </a:p>
+                    <a:p>
+                      <a:pPr rtl="0"/>
+                      <a:r>
+                        <a:rPr lang="en-US" sz="2000" b="0" i="0" u="none" strike="noStrike" kern="1200" dirty="0">
+                          <a:solidFill>
+                            <a:schemeClr val="tx1"/>
+                          </a:solidFill>
+                          <a:effectLst/>
+                          <a:latin typeface="+mn-lt"/>
+                          <a:ea typeface="+mn-ea"/>
+                          <a:cs typeface="Times New Roman" panose="02020603050405020304" pitchFamily="18" charset="0"/>
+                        </a:rPr>
+                        <a:t>• Git &amp; GitHub</a:t>
+                      </a:r>
+                      <a:endParaRPr lang="en-US" sz="2000" b="0" dirty="0">
+                        <a:effectLst/>
+                        <a:latin typeface="+mn-lt"/>
+                        <a:cs typeface="Times New Roman" panose="02020603050405020304" pitchFamily="18" charset="0"/>
+                      </a:endParaRPr>
+                    </a:p>
+                    <a:p>
+                      <a:pPr rtl="0"/>
+                      <a:r>
+                        <a:rPr lang="en-US" sz="2000" b="0" i="0" u="none" strike="noStrike" kern="1200" dirty="0">
+                          <a:solidFill>
+                            <a:schemeClr val="tx1"/>
+                          </a:solidFill>
+                          <a:effectLst/>
+                          <a:latin typeface="+mn-lt"/>
+                          <a:ea typeface="+mn-ea"/>
+                          <a:cs typeface="Times New Roman" panose="02020603050405020304" pitchFamily="18" charset="0"/>
+                        </a:rPr>
+                        <a:t>• XAMPP</a:t>
+                      </a:r>
+                    </a:p>
+                    <a:p>
+                      <a:r>
+                        <a:rPr lang="en-US" sz="1800" dirty="0">
+                          <a:effectLst/>
+                          <a:latin typeface="+mn-lt"/>
+                          <a:cs typeface="Times New Roman" panose="02020603050405020304" pitchFamily="18" charset="0"/>
+                          <a:sym typeface="+mn-ea"/>
+                        </a:rPr>
+                        <a:t>• </a:t>
+                      </a:r>
+                      <a:r>
+                        <a:rPr lang="en-US" sz="2000" b="0" dirty="0">
+                          <a:effectLst/>
+                          <a:latin typeface="+mn-lt"/>
+                          <a:cs typeface="Times New Roman" panose="02020603050405020304" pitchFamily="18" charset="0"/>
+                          <a:sym typeface="+mn-ea"/>
+                        </a:rPr>
+                        <a:t>Canva</a:t>
+                      </a:r>
+                      <a:endParaRPr lang="en-US" sz="1800" b="0" i="0" u="none" strike="noStrike" kern="1200" dirty="0">
+                        <a:solidFill>
+                          <a:schemeClr val="tx1"/>
+                        </a:solidFill>
+                        <a:effectLst/>
+                        <a:latin typeface="+mn-lt"/>
+                        <a:ea typeface="+mn-ea"/>
+                        <a:cs typeface="Times New Roman" panose="02020603050405020304" pitchFamily="18" charset="0"/>
+                      </a:endParaRPr>
+                    </a:p>
+                    <a:p>
+                      <a:br>
+                        <a:rPr lang="en-US" dirty="0">
+                          <a:latin typeface="+mn-lt"/>
+                          <a:cs typeface="Times New Roman" panose="02020603050405020304" pitchFamily="18" charset="0"/>
+                        </a:rPr>
+                      </a:br>
+                      <a:endParaRPr lang="en-US" dirty="0">
+                        <a:latin typeface="+mn-lt"/>
                         <a:cs typeface="Times New Roman" panose="02020603050405020304" pitchFamily="18" charset="0"/>
                       </a:endParaRPr>
                     </a:p>
@@ -3971,16 +4148,101 @@
                 <a:tc>
                   <a:txBody>
                     <a:bodyPr/>
+                    <a:lstStyle/>
+                    <a:p>
+                      <a:pPr rtl="0"/>
+                      <a:r>
+                        <a:rPr lang="en-US" sz="2000" b="0" i="0" u="none" strike="noStrike" kern="1200" dirty="0">
+                          <a:solidFill>
+                            <a:schemeClr val="tx1"/>
+                          </a:solidFill>
+                          <a:effectLst/>
+                          <a:latin typeface="+mn-lt"/>
+                          <a:ea typeface="+mn-ea"/>
+                          <a:cs typeface="Times New Roman" panose="02020603050405020304" pitchFamily="18" charset="0"/>
+                        </a:rPr>
+                        <a:t>•        </a:t>
+                      </a:r>
+                      <a:r>
+                        <a:rPr lang="en-US" altLang="en-US" sz="2000" b="0" dirty="0">
+                          <a:effectLst/>
+                          <a:latin typeface="+mn-lt"/>
+                          <a:cs typeface="Times New Roman" panose="02020603050405020304" pitchFamily="18" charset="0"/>
+                        </a:rPr>
+                        <a:t>Flutter</a:t>
+                      </a:r>
+                    </a:p>
+                    <a:p>
+                      <a:pPr rtl="0"/>
+                      <a:r>
+                        <a:rPr lang="en-US" sz="2000" b="0" i="0" u="none" strike="noStrike" kern="1200" dirty="0">
+                          <a:solidFill>
+                            <a:schemeClr val="tx1"/>
+                          </a:solidFill>
+                          <a:effectLst/>
+                          <a:latin typeface="+mn-lt"/>
+                          <a:ea typeface="+mn-ea"/>
+                          <a:cs typeface="Times New Roman" panose="02020603050405020304" pitchFamily="18" charset="0"/>
+                        </a:rPr>
+                        <a:t>•        </a:t>
+                      </a:r>
+                      <a:r>
+                        <a:rPr lang="en-US" altLang="en-US" sz="2000" b="0" dirty="0">
+                          <a:effectLst/>
+                          <a:latin typeface="+mn-lt"/>
+                          <a:cs typeface="Times New Roman" panose="02020603050405020304" pitchFamily="18" charset="0"/>
+                        </a:rPr>
+                        <a:t>Dart</a:t>
+                      </a:r>
+                    </a:p>
                     <a:p>
                       <a:r>
-                        <a:rPr lang="en-US" b="1" dirty="0" smtClean="0">
-                          <a:latin typeface="Times New Roman" panose="02020603050405020304" pitchFamily="18" charset="0"/>
+                        <a:rPr lang="en-US" sz="2000" b="0" i="0" u="none" strike="noStrike" kern="1200" dirty="0">
+                          <a:solidFill>
+                            <a:schemeClr val="tx1"/>
+                          </a:solidFill>
+                          <a:effectLst/>
+                          <a:latin typeface="+mn-lt"/>
+                          <a:ea typeface="+mn-ea"/>
                           <a:cs typeface="Times New Roman" panose="02020603050405020304" pitchFamily="18" charset="0"/>
                         </a:rPr>
-                        <a:t>Technologies</a:t>
+                        <a:t>•        Laravel</a:t>
                       </a:r>
-                      <a:endParaRPr lang="en-US" b="1" dirty="0">
-                        <a:latin typeface="Times New Roman" panose="02020603050405020304" pitchFamily="18" charset="0"/>
+                    </a:p>
+                    <a:p>
+                      <a:r>
+                        <a:rPr lang="en-US" sz="2000" dirty="0">
+                          <a:effectLst/>
+                          <a:latin typeface="+mn-lt"/>
+                          <a:cs typeface="Times New Roman" panose="02020603050405020304" pitchFamily="18" charset="0"/>
+                          <a:sym typeface="+mn-ea"/>
+                        </a:rPr>
+                        <a:t>•        My SQL</a:t>
+                      </a:r>
+                      <a:endParaRPr lang="en-US" sz="2000" b="0" i="0" u="none" strike="noStrike" kern="1200" dirty="0">
+                        <a:solidFill>
+                          <a:schemeClr val="tx1"/>
+                        </a:solidFill>
+                        <a:effectLst/>
+                        <a:latin typeface="+mn-lt"/>
+                        <a:ea typeface="+mn-ea"/>
+                        <a:cs typeface="Times New Roman" panose="02020603050405020304" pitchFamily="18" charset="0"/>
+                      </a:endParaRPr>
+                    </a:p>
+                    <a:p>
+                      <a:endParaRPr lang="en-US" sz="2000" b="0" i="0" u="none" strike="noStrike" kern="1200" dirty="0">
+                        <a:solidFill>
+                          <a:schemeClr val="tx1"/>
+                        </a:solidFill>
+                        <a:effectLst/>
+                        <a:latin typeface="+mn-lt"/>
+                        <a:ea typeface="+mn-ea"/>
+                        <a:cs typeface="Times New Roman" panose="02020603050405020304" pitchFamily="18" charset="0"/>
+                      </a:endParaRPr>
+                    </a:p>
+                    <a:p>
+                      <a:endParaRPr lang="en-US" sz="2000" dirty="0">
+                        <a:latin typeface="+mn-lt"/>
                         <a:cs typeface="Times New Roman" panose="02020603050405020304" pitchFamily="18" charset="0"/>
                       </a:endParaRPr>
                     </a:p>
@@ -4012,331 +4274,11 @@
                     </a:lnBlToTr>
                   </a:tcPr>
                 </a:tc>
-              </a:tr>
-              <a:tr h="370840">
-                <a:tc>
-                  <a:txBody>
-                    <a:bodyPr/>
-                    <a:p>
-                      <a:pPr rtl="0"/>
-                      <a:r>
-                        <a:rPr lang="en-US" sz="2000" b="0" i="0" u="none" strike="noStrike" kern="1200" dirty="0" smtClean="0">
-                          <a:solidFill>
-                            <a:schemeClr val="tx1"/>
-                          </a:solidFill>
-                          <a:effectLst/>
-                          <a:latin typeface="Times New Roman" panose="02020603050405020304" pitchFamily="18" charset="0"/>
-                          <a:ea typeface="+mn-ea"/>
-                          <a:cs typeface="Times New Roman" panose="02020603050405020304" pitchFamily="18" charset="0"/>
-                        </a:rPr>
-                        <a:t>• Visual Studio Code</a:t>
-                      </a:r>
-                      <a:endParaRPr lang="en-US" sz="2000" b="0" dirty="0" smtClean="0">
-                        <a:effectLst/>
-                        <a:latin typeface="Times New Roman" panose="02020603050405020304" pitchFamily="18" charset="0"/>
-                        <a:cs typeface="Times New Roman" panose="02020603050405020304" pitchFamily="18" charset="0"/>
-                      </a:endParaRPr>
-                    </a:p>
-                    <a:p>
-                      <a:pPr rtl="0"/>
-                      <a:r>
-                        <a:rPr lang="en-US" sz="2000" b="0" i="0" u="none" strike="noStrike" kern="1200" dirty="0" smtClean="0">
-                          <a:solidFill>
-                            <a:schemeClr val="tx1"/>
-                          </a:solidFill>
-                          <a:effectLst/>
-                          <a:latin typeface="Times New Roman" panose="02020603050405020304" pitchFamily="18" charset="0"/>
-                          <a:ea typeface="+mn-ea"/>
-                          <a:cs typeface="Times New Roman" panose="02020603050405020304" pitchFamily="18" charset="0"/>
-                        </a:rPr>
-                        <a:t>• Andorid Studio</a:t>
-                      </a:r>
-                      <a:endParaRPr lang="en-US" sz="2000" b="0" dirty="0" smtClean="0">
-                        <a:effectLst/>
-                        <a:latin typeface="Times New Roman" panose="02020603050405020304" pitchFamily="18" charset="0"/>
-                        <a:cs typeface="Times New Roman" panose="02020603050405020304" pitchFamily="18" charset="0"/>
-                      </a:endParaRPr>
-                    </a:p>
-                    <a:p>
-                      <a:pPr rtl="0"/>
-                      <a:r>
-                        <a:rPr lang="en-US" sz="2000" b="0" i="0" u="none" strike="noStrike" kern="1200" dirty="0" smtClean="0">
-                          <a:solidFill>
-                            <a:schemeClr val="tx1"/>
-                          </a:solidFill>
-                          <a:effectLst/>
-                          <a:latin typeface="Times New Roman" panose="02020603050405020304" pitchFamily="18" charset="0"/>
-                          <a:ea typeface="+mn-ea"/>
-                          <a:cs typeface="Times New Roman" panose="02020603050405020304" pitchFamily="18" charset="0"/>
-                        </a:rPr>
-                        <a:t>• Visual Paradigm</a:t>
-                      </a:r>
-                      <a:endParaRPr lang="en-US" sz="2000" b="0" dirty="0" smtClean="0">
-                        <a:effectLst/>
-                        <a:latin typeface="Times New Roman" panose="02020603050405020304" pitchFamily="18" charset="0"/>
-                        <a:cs typeface="Times New Roman" panose="02020603050405020304" pitchFamily="18" charset="0"/>
-                      </a:endParaRPr>
-                    </a:p>
-                    <a:p>
-                      <a:pPr rtl="0"/>
-                      <a:r>
-                        <a:rPr lang="en-US" sz="2000" b="0" i="0" u="none" strike="noStrike" kern="1200" dirty="0" smtClean="0">
-                          <a:solidFill>
-                            <a:schemeClr val="tx1"/>
-                          </a:solidFill>
-                          <a:effectLst/>
-                          <a:latin typeface="Times New Roman" panose="02020603050405020304" pitchFamily="18" charset="0"/>
-                          <a:ea typeface="+mn-ea"/>
-                          <a:cs typeface="Times New Roman" panose="02020603050405020304" pitchFamily="18" charset="0"/>
-                        </a:rPr>
-                        <a:t>• Git &amp; GitHub</a:t>
-                      </a:r>
-                      <a:endParaRPr lang="en-US" sz="2000" b="0" dirty="0" smtClean="0">
-                        <a:effectLst/>
-                        <a:latin typeface="Times New Roman" panose="02020603050405020304" pitchFamily="18" charset="0"/>
-                        <a:cs typeface="Times New Roman" panose="02020603050405020304" pitchFamily="18" charset="0"/>
-                      </a:endParaRPr>
-                    </a:p>
-                    <a:p>
-                      <a:pPr rtl="0"/>
-                      <a:r>
-                        <a:rPr lang="en-US" sz="2000" b="0" i="0" u="none" strike="noStrike" kern="1200" dirty="0" smtClean="0">
-                          <a:solidFill>
-                            <a:schemeClr val="tx1"/>
-                          </a:solidFill>
-                          <a:effectLst/>
-                          <a:latin typeface="Times New Roman" panose="02020603050405020304" pitchFamily="18" charset="0"/>
-                          <a:ea typeface="+mn-ea"/>
-                          <a:cs typeface="Times New Roman" panose="02020603050405020304" pitchFamily="18" charset="0"/>
-                        </a:rPr>
-                        <a:t>• XAMPP</a:t>
-                      </a:r>
-                      <a:endParaRPr lang="en-US" sz="2000" b="0" i="0" u="none" strike="noStrike" kern="1200" dirty="0" smtClean="0">
-                        <a:solidFill>
-                          <a:schemeClr val="tx1"/>
-                        </a:solidFill>
-                        <a:effectLst/>
-                        <a:latin typeface="Times New Roman" panose="02020603050405020304" pitchFamily="18" charset="0"/>
-                        <a:ea typeface="+mn-ea"/>
-                        <a:cs typeface="Times New Roman" panose="02020603050405020304" pitchFamily="18" charset="0"/>
-                      </a:endParaRPr>
-                    </a:p>
-                    <a:p>
-                      <a:r>
-                        <a:rPr lang="en-US" sz="1800" dirty="0" smtClean="0">
-                          <a:effectLst/>
-                          <a:latin typeface="Times New Roman" panose="02020603050405020304" pitchFamily="18" charset="0"/>
-                          <a:cs typeface="Times New Roman" panose="02020603050405020304" pitchFamily="18" charset="0"/>
-                          <a:sym typeface="+mn-ea"/>
-                        </a:rPr>
-                        <a:t>• </a:t>
-                      </a:r>
-                      <a:r>
-                        <a:rPr lang="en-US" sz="2000" b="0" dirty="0" smtClean="0">
-                          <a:effectLst/>
-                          <a:latin typeface="Times New Roman" panose="02020603050405020304" pitchFamily="18" charset="0"/>
-                          <a:cs typeface="Times New Roman" panose="02020603050405020304" pitchFamily="18" charset="0"/>
-                          <a:sym typeface="+mn-ea"/>
-                        </a:rPr>
-                        <a:t>Canva</a:t>
-                      </a:r>
-                      <a:endParaRPr lang="en-US" sz="1800" b="0" i="0" u="none" strike="noStrike" kern="1200" dirty="0" smtClean="0">
-                        <a:solidFill>
-                          <a:schemeClr val="tx1"/>
-                        </a:solidFill>
-                        <a:effectLst/>
-                        <a:latin typeface="Times New Roman" panose="02020603050405020304" pitchFamily="18" charset="0"/>
-                        <a:ea typeface="+mn-ea"/>
-                        <a:cs typeface="Times New Roman" panose="02020603050405020304" pitchFamily="18" charset="0"/>
-                      </a:endParaRPr>
-                    </a:p>
-                    <a:p>
-                      <a:br>
-                        <a:rPr lang="en-US" dirty="0" smtClean="0">
-                          <a:latin typeface="Times New Roman" panose="02020603050405020304" pitchFamily="18" charset="0"/>
-                          <a:cs typeface="Times New Roman" panose="02020603050405020304" pitchFamily="18" charset="0"/>
-                        </a:rPr>
-                      </a:br>
-                      <a:endParaRPr lang="en-US" dirty="0">
-                        <a:latin typeface="Times New Roman" panose="02020603050405020304" pitchFamily="18" charset="0"/>
-                        <a:cs typeface="Times New Roman" panose="02020603050405020304" pitchFamily="18" charset="0"/>
-                      </a:endParaRPr>
-                    </a:p>
-                  </a:txBody>
-                  <a:tcPr>
-                    <a:lnL w="12700" cmpd="sng">
-                      <a:noFill/>
-                      <a:prstDash val="solid"/>
-                    </a:lnL>
-                    <a:lnR w="12700" cmpd="sng">
-                      <a:noFill/>
-                      <a:prstDash val="solid"/>
-                    </a:lnR>
-                    <a:lnT w="12700" cmpd="sng">
-                      <a:noFill/>
-                      <a:prstDash val="solid"/>
-                    </a:lnT>
-                    <a:lnB w="12700" cmpd="sng">
-                      <a:noFill/>
-                      <a:prstDash val="solid"/>
-                    </a:lnB>
-                    <a:lnTlToBr w="12700" cmpd="sng">
-                      <a:noFill/>
-                      <a:prstDash val="solid"/>
-                    </a:lnTlToBr>
-                    <a:lnBlToTr w="12700" cmpd="sng">
-                      <a:noFill/>
-                      <a:prstDash val="solid"/>
-                    </a:lnBlToTr>
-                  </a:tcPr>
-                </a:tc>
-                <a:tc>
-                  <a:txBody>
-                    <a:bodyPr/>
-                    <a:p>
-                      <a:pPr rtl="0"/>
-                      <a:r>
-                        <a:rPr lang="en-US" sz="2000" b="0" i="0" u="none" strike="noStrike" kern="1200" dirty="0" smtClean="0">
-                          <a:solidFill>
-                            <a:schemeClr val="tx1"/>
-                          </a:solidFill>
-                          <a:effectLst/>
-                          <a:latin typeface="Times New Roman" panose="02020603050405020304" pitchFamily="18" charset="0"/>
-                          <a:ea typeface="+mn-ea"/>
-                          <a:cs typeface="Times New Roman" panose="02020603050405020304" pitchFamily="18" charset="0"/>
-                        </a:rPr>
-                        <a:t>•        </a:t>
-                      </a:r>
-                      <a:r>
-                        <a:rPr lang="en-US" altLang="en-US" sz="2000" b="0" dirty="0" smtClean="0">
-                          <a:effectLst/>
-                          <a:latin typeface="Times New Roman" panose="02020603050405020304" pitchFamily="18" charset="0"/>
-                          <a:cs typeface="Times New Roman" panose="02020603050405020304" pitchFamily="18" charset="0"/>
-                        </a:rPr>
-                        <a:t>Flutter</a:t>
-                      </a:r>
-                      <a:endParaRPr lang="en-US" altLang="en-US" sz="2000" b="0" dirty="0" smtClean="0">
-                        <a:effectLst/>
-                        <a:latin typeface="Times New Roman" panose="02020603050405020304" pitchFamily="18" charset="0"/>
-                        <a:cs typeface="Times New Roman" panose="02020603050405020304" pitchFamily="18" charset="0"/>
-                      </a:endParaRPr>
-                    </a:p>
-                    <a:p>
-                      <a:pPr rtl="0"/>
-                      <a:r>
-                        <a:rPr lang="en-US" sz="2000" b="0" i="0" u="none" strike="noStrike" kern="1200" dirty="0" smtClean="0">
-                          <a:solidFill>
-                            <a:schemeClr val="tx1"/>
-                          </a:solidFill>
-                          <a:effectLst/>
-                          <a:latin typeface="Times New Roman" panose="02020603050405020304" pitchFamily="18" charset="0"/>
-                          <a:ea typeface="+mn-ea"/>
-                          <a:cs typeface="Times New Roman" panose="02020603050405020304" pitchFamily="18" charset="0"/>
-                        </a:rPr>
-                        <a:t>•        </a:t>
-                      </a:r>
-                      <a:r>
-                        <a:rPr lang="en-US" altLang="en-US" sz="2000" b="0" dirty="0" smtClean="0">
-                          <a:effectLst/>
-                          <a:latin typeface="Times New Roman" panose="02020603050405020304" pitchFamily="18" charset="0"/>
-                          <a:cs typeface="Times New Roman" panose="02020603050405020304" pitchFamily="18" charset="0"/>
-                        </a:rPr>
-                        <a:t>Dart</a:t>
-                      </a:r>
-                      <a:endParaRPr lang="en-US" altLang="en-US" sz="2000" b="0" dirty="0" smtClean="0">
-                        <a:effectLst/>
-                        <a:latin typeface="Times New Roman" panose="02020603050405020304" pitchFamily="18" charset="0"/>
-                        <a:cs typeface="Times New Roman" panose="02020603050405020304" pitchFamily="18" charset="0"/>
-                      </a:endParaRPr>
-                    </a:p>
-                    <a:p>
-                      <a:r>
-                        <a:rPr lang="en-US" sz="2000" b="0" i="0" u="none" strike="noStrike" kern="1200" dirty="0" smtClean="0">
-                          <a:solidFill>
-                            <a:schemeClr val="tx1"/>
-                          </a:solidFill>
-                          <a:effectLst/>
-                          <a:latin typeface="Times New Roman" panose="02020603050405020304" pitchFamily="18" charset="0"/>
-                          <a:ea typeface="+mn-ea"/>
-                          <a:cs typeface="Times New Roman" panose="02020603050405020304" pitchFamily="18" charset="0"/>
-                        </a:rPr>
-                        <a:t>•        Laravel</a:t>
-                      </a:r>
-                      <a:endParaRPr lang="en-US" sz="2000" b="0" i="0" u="none" strike="noStrike" kern="1200" dirty="0" smtClean="0">
-                        <a:solidFill>
-                          <a:schemeClr val="tx1"/>
-                        </a:solidFill>
-                        <a:effectLst/>
-                        <a:latin typeface="Times New Roman" panose="02020603050405020304" pitchFamily="18" charset="0"/>
-                        <a:ea typeface="+mn-ea"/>
-                        <a:cs typeface="Times New Roman" panose="02020603050405020304" pitchFamily="18" charset="0"/>
-                      </a:endParaRPr>
-                    </a:p>
-                    <a:p>
-                      <a:r>
-                        <a:rPr lang="en-US" sz="2000" dirty="0" smtClean="0">
-                          <a:effectLst/>
-                          <a:latin typeface="Times New Roman" panose="02020603050405020304" pitchFamily="18" charset="0"/>
-                          <a:cs typeface="Times New Roman" panose="02020603050405020304" pitchFamily="18" charset="0"/>
-                          <a:sym typeface="+mn-ea"/>
-                        </a:rPr>
-                        <a:t>•        My SQL</a:t>
-                      </a:r>
-                      <a:endParaRPr lang="en-US" sz="2000" b="0" i="0" u="none" strike="noStrike" kern="1200" dirty="0" smtClean="0">
-                        <a:solidFill>
-                          <a:schemeClr val="tx1"/>
-                        </a:solidFill>
-                        <a:effectLst/>
-                        <a:latin typeface="Times New Roman" panose="02020603050405020304" pitchFamily="18" charset="0"/>
-                        <a:ea typeface="+mn-ea"/>
-                        <a:cs typeface="Times New Roman" panose="02020603050405020304" pitchFamily="18" charset="0"/>
-                      </a:endParaRPr>
-                    </a:p>
-                    <a:p>
-                      <a:endParaRPr lang="en-US" sz="2000" b="0" i="0" u="none" strike="noStrike" kern="1200" dirty="0" smtClean="0">
-                        <a:solidFill>
-                          <a:schemeClr val="tx1"/>
-                        </a:solidFill>
-                        <a:effectLst/>
-                        <a:latin typeface="Times New Roman" panose="02020603050405020304" pitchFamily="18" charset="0"/>
-                        <a:ea typeface="+mn-ea"/>
-                        <a:cs typeface="Times New Roman" panose="02020603050405020304" pitchFamily="18" charset="0"/>
-                      </a:endParaRPr>
-                    </a:p>
-                    <a:p>
-                      <a:endParaRPr lang="en-US" sz="2000" dirty="0">
-                        <a:latin typeface="Times New Roman" panose="02020603050405020304" pitchFamily="18" charset="0"/>
-                        <a:cs typeface="Times New Roman" panose="02020603050405020304" pitchFamily="18" charset="0"/>
-                      </a:endParaRPr>
-                    </a:p>
-                  </a:txBody>
-                  <a:tcPr>
-                    <a:lnL w="12700" cmpd="sng">
-                      <a:noFill/>
-                      <a:prstDash val="solid"/>
-                    </a:lnL>
-                    <a:lnR w="12700" cmpd="sng">
-                      <a:noFill/>
-                      <a:prstDash val="solid"/>
-                    </a:lnR>
-                    <a:lnT w="12700" cmpd="sng">
-                      <a:noFill/>
-                      <a:prstDash val="solid"/>
-                    </a:lnT>
-                    <a:lnB w="12700" cmpd="sng">
-                      <a:noFill/>
-                      <a:prstDash val="solid"/>
-                    </a:lnB>
-                    <a:lnTlToBr w="12700" cmpd="sng">
-                      <a:noFill/>
-                      <a:prstDash val="solid"/>
-                    </a:lnTlToBr>
-                    <a:lnBlToTr w="12700" cmpd="sng">
-                      <a:noFill/>
-                      <a:prstDash val="solid"/>
-                    </a:lnBlToTr>
-                  </a:tcPr>
-                </a:tc>
+                <a:extLst>
+                  <a:ext uri="{0D108BD9-81ED-4DB2-BD59-A6C34878D82A}">
+                    <a16:rowId xmlns:a16="http://schemas.microsoft.com/office/drawing/2014/main" val="10001"/>
+                  </a:ext>
+                </a:extLst>
               </a:tr>
             </a:tbl>
           </a:graphicData>
@@ -4359,7 +4301,14 @@
         <p:cNvGrpSpPr/>
         <p:nvPr/>
       </p:nvGrpSpPr>
-      <p:grpSpPr/>
+      <p:grpSpPr>
+        <a:xfrm>
+          <a:off x="0" y="0"/>
+          <a:ext cx="0" cy="0"/>
+          <a:chOff x="0" y="0"/>
+          <a:chExt cx="0" cy="0"/>
+        </a:xfrm>
+      </p:grpSpPr>
       <p:sp>
         <p:nvSpPr>
           <p:cNvPr id="2" name="Title 1"/>
@@ -4373,6 +4322,7 @@
         <p:spPr/>
         <p:txBody>
           <a:bodyPr/>
+          <a:lstStyle/>
           <a:p>
             <a:r>
               <a:rPr lang="en-US" dirty="0">
@@ -4397,32 +4347,19 @@
         <p:spPr/>
         <p:txBody>
           <a:bodyPr/>
+          <a:lstStyle/>
           <a:p>
             <a:pPr marL="0" indent="0" algn="just">
               <a:buNone/>
             </a:pPr>
             <a:r>
-              <a:rPr lang="en-US" sz="2400" b="1" dirty="0" smtClean="0">
-                <a:cs typeface="+mn-lt"/>
-                <a:sym typeface="+mn-ea"/>
-              </a:rPr>
-              <a:t>List </a:t>
-            </a:r>
-            <a:r>
               <a:rPr lang="en-US" sz="2400" b="1" dirty="0">
                 <a:cs typeface="+mn-lt"/>
                 <a:sym typeface="+mn-ea"/>
               </a:rPr>
-              <a:t>Best Practices / Coding </a:t>
-            </a:r>
-            <a:r>
-              <a:rPr lang="en-US" sz="2400" b="1" dirty="0" smtClean="0">
-                <a:cs typeface="+mn-lt"/>
-                <a:sym typeface="+mn-ea"/>
-              </a:rPr>
-              <a:t>Standards</a:t>
-            </a:r>
-            <a:endParaRPr lang="en-US" sz="2400" b="1" dirty="0" smtClean="0">
+              <a:t>List Best Practices / Coding Standards</a:t>
+            </a:r>
+            <a:endParaRPr lang="en-US" sz="2400" b="1" dirty="0">
               <a:cs typeface="+mn-lt"/>
             </a:endParaRPr>
           </a:p>
@@ -4431,94 +4368,67 @@
               <a:buNone/>
             </a:pPr>
             <a:r>
-              <a:rPr lang="en-US" altLang="en-US" sz="2400" b="1">
+              <a:rPr lang="en-US" altLang="en-US" sz="2400" b="1" dirty="0">
                 <a:cs typeface="+mn-lt"/>
               </a:rPr>
               <a:t>1. Software Engineering Methodologies</a:t>
             </a:r>
-            <a:endParaRPr lang="en-US" altLang="en-US" sz="2400" b="1">
+          </a:p>
+          <a:p>
+            <a:pPr algn="just"/>
+            <a:r>
+              <a:rPr lang="en-US" altLang="en-US" sz="2400" dirty="0">
+                <a:cs typeface="+mn-lt"/>
+              </a:rPr>
+              <a:t>Agile Methodology</a:t>
+            </a:r>
+          </a:p>
+          <a:p>
+            <a:pPr marL="0" indent="0" algn="just">
+              <a:buNone/>
+            </a:pPr>
+            <a:r>
+              <a:rPr lang="en-US" altLang="en-US" sz="2400" b="1" dirty="0">
+                <a:cs typeface="+mn-lt"/>
+              </a:rPr>
+              <a:t>2. Coding Standards</a:t>
+            </a:r>
+          </a:p>
+          <a:p>
+            <a:pPr algn="just"/>
+            <a:r>
+              <a:rPr lang="en-US" altLang="en-US" sz="2400" dirty="0">
+                <a:cs typeface="+mn-lt"/>
+              </a:rPr>
+              <a:t>Naming Conventions</a:t>
+            </a:r>
+          </a:p>
+          <a:p>
+            <a:pPr algn="just"/>
+            <a:r>
+              <a:rPr lang="en-US" altLang="en-US" sz="2400" dirty="0">
+                <a:cs typeface="+mn-lt"/>
+              </a:rPr>
+              <a:t>Code Documentation</a:t>
+            </a:r>
+          </a:p>
+          <a:p>
+            <a:pPr algn="just"/>
+            <a:endParaRPr lang="en-US" altLang="en-US" sz="2400" dirty="0">
               <a:cs typeface="+mn-lt"/>
             </a:endParaRPr>
           </a:p>
           <a:p>
-            <a:pPr algn="just"/>
-            <a:r>
-              <a:rPr lang="en-US" altLang="en-US" sz="2400">
-                <a:cs typeface="+mn-lt"/>
-              </a:rPr>
-              <a:t>Agile Methodology</a:t>
-            </a:r>
-            <a:endParaRPr lang="en-US" altLang="en-US" sz="2400">
+            <a:pPr marL="0" indent="0" algn="just">
+              <a:buNone/>
+            </a:pPr>
+            <a:endParaRPr lang="en-US" altLang="en-US" sz="2400" b="1" dirty="0">
               <a:cs typeface="+mn-lt"/>
             </a:endParaRPr>
           </a:p>
           <a:p>
             <a:pPr algn="just"/>
-            <a:r>
-              <a:rPr lang="en-US" altLang="en-US" sz="2400">
-                <a:cs typeface="+mn-lt"/>
-              </a:rPr>
-              <a:t>Scrum Framework</a:t>
-            </a:r>
-            <a:endParaRPr lang="en-US" altLang="en-US" sz="2400">
-              <a:cs typeface="+mn-lt"/>
-            </a:endParaRPr>
-          </a:p>
-          <a:p>
-            <a:pPr marL="0" indent="0" algn="just">
-              <a:buNone/>
-            </a:pPr>
-            <a:r>
-              <a:rPr lang="en-US" altLang="en-US" sz="2400" b="1">
-                <a:cs typeface="+mn-lt"/>
-              </a:rPr>
-              <a:t>2. Coding Standards</a:t>
-            </a:r>
-            <a:endParaRPr lang="en-US" altLang="en-US" sz="2400" b="1">
-              <a:cs typeface="+mn-lt"/>
-            </a:endParaRPr>
-          </a:p>
-          <a:p>
-            <a:pPr algn="just"/>
-            <a:r>
-              <a:rPr lang="en-US" altLang="en-US" sz="2400">
-                <a:cs typeface="+mn-lt"/>
-              </a:rPr>
-              <a:t>Naming Conventions</a:t>
-            </a:r>
-            <a:endParaRPr lang="en-US" altLang="en-US" sz="2400">
-              <a:cs typeface="+mn-lt"/>
-            </a:endParaRPr>
-          </a:p>
-          <a:p>
-            <a:pPr algn="just"/>
-            <a:r>
-              <a:rPr lang="en-US" altLang="en-US" sz="2400">
-                <a:cs typeface="+mn-lt"/>
-              </a:rPr>
-              <a:t>Code Documentation</a:t>
-            </a:r>
-            <a:endParaRPr lang="en-US" altLang="en-US" sz="2400">
-              <a:cs typeface="+mn-lt"/>
-            </a:endParaRPr>
-          </a:p>
-          <a:p>
-            <a:pPr algn="just"/>
-            <a:endParaRPr lang="en-US" altLang="en-US" sz="2400">
-              <a:cs typeface="+mn-lt"/>
-            </a:endParaRPr>
-          </a:p>
-          <a:p>
-            <a:pPr marL="0" indent="0" algn="just">
-              <a:buNone/>
-            </a:pPr>
-            <a:endParaRPr lang="en-US" altLang="en-US" sz="2400" b="1">
-              <a:cs typeface="+mn-lt"/>
-            </a:endParaRPr>
-          </a:p>
-          <a:p>
-            <a:pPr algn="just"/>
-            <a:endParaRPr lang="en-US" altLang="en-US" sz="2400" b="1">
+            <a:endParaRPr lang="en-US" altLang="en-US" sz="2400" b="1" dirty="0">
               <a:cs typeface="+mn-lt"/>
             </a:endParaRPr>
           </a:p>
@@ -4576,7 +4486,6 @@
               <a:rPr lang="en-US" dirty="0"/>
               <a:t>Endeavour</a:t>
             </a:r>
-            <a:endParaRPr lang="en-US" dirty="0"/>
           </a:p>
         </p:txBody>
       </p:sp>
@@ -4653,7 +4562,6 @@
               <a:rPr lang="en-US" dirty="0"/>
               <a:t>Endeavour</a:t>
             </a:r>
-            <a:endParaRPr lang="en-US" dirty="0"/>
           </a:p>
         </p:txBody>
       </p:sp>
@@ -4679,18 +4587,11 @@
               <a:buNone/>
             </a:pPr>
             <a:r>
-              <a:rPr lang="en-US" sz="2400" b="1" dirty="0" smtClean="0">
-                <a:cs typeface="+mn-lt"/>
-                <a:sym typeface="+mn-ea"/>
-              </a:rPr>
-              <a:t>Describe </a:t>
-            </a:r>
-            <a:r>
               <a:rPr lang="en-US" sz="2400" b="1" dirty="0">
                 <a:cs typeface="+mn-lt"/>
                 <a:sym typeface="+mn-ea"/>
               </a:rPr>
-              <a:t>roles of your team members</a:t>
+              <a:t>Describe roles of your team members</a:t>
             </a:r>
             <a:endParaRPr lang="en-US" sz="2400" b="1" dirty="0">
               <a:cs typeface="+mn-lt"/>
@@ -4710,10 +4611,6 @@
               </a:rPr>
               <a:t>Team Members</a:t>
             </a:r>
-            <a:endParaRPr lang="en-US" sz="2400" b="1" dirty="0">
-              <a:cs typeface="+mn-lt"/>
-              <a:sym typeface="+mn-ea"/>
-            </a:endParaRPr>
           </a:p>
           <a:p>
             <a:pPr>
@@ -4729,9 +4626,6 @@
               </a:rPr>
               <a:t>Sana Ulah</a:t>
             </a:r>
-            <a:endParaRPr lang="en-US" sz="2400" b="1" dirty="0">
-              <a:cs typeface="+mn-lt"/>
-            </a:endParaRPr>
           </a:p>
           <a:p>
             <a:pPr>
@@ -4747,9 +4641,6 @@
               </a:rPr>
               <a:t>Hammad Javed</a:t>
             </a:r>
-            <a:endParaRPr lang="en-US" sz="2400" b="1" dirty="0">
-              <a:cs typeface="+mn-lt"/>
-            </a:endParaRPr>
           </a:p>
           <a:p>
             <a:pPr marL="0" indent="0">
@@ -4778,7 +4669,14 @@
         <p:cNvGrpSpPr/>
         <p:nvPr/>
       </p:nvGrpSpPr>
-      <p:grpSpPr/>
+      <p:grpSpPr>
+        <a:xfrm>
+          <a:off x="0" y="0"/>
+          <a:ext cx="0" cy="0"/>
+          <a:chOff x="0" y="0"/>
+          <a:chExt cx="0" cy="0"/>
+        </a:xfrm>
+      </p:grpSpPr>
       <p:sp>
         <p:nvSpPr>
           <p:cNvPr id="2" name="Title 1"/>
@@ -4792,6 +4690,7 @@
         <p:spPr/>
         <p:txBody>
           <a:bodyPr/>
+          <a:lstStyle/>
           <a:p>
             <a:r>
               <a:rPr lang="en-US" dirty="0">
@@ -4816,6 +4715,7 @@
         <p:spPr/>
         <p:txBody>
           <a:bodyPr/>
+          <a:lstStyle/>
           <a:p>
             <a:pPr marL="0" indent="0" algn="just">
               <a:buNone/>
@@ -4834,14 +4734,11 @@
           <a:p>
             <a:pPr algn="just"/>
             <a:r>
-              <a:rPr lang="en-US" altLang="en-US" sz="2400">
+              <a:rPr lang="en-US" altLang="en-US" sz="2400" dirty="0">
                 <a:cs typeface="+mn-lt"/>
               </a:rPr>
               <a:t>Both team members worked together on all parts of the project, including plaining, documentation, design and implementation .</a:t>
             </a:r>
-            <a:endParaRPr lang="en-US" altLang="en-US" sz="2400">
-              <a:cs typeface="+mn-lt"/>
-            </a:endParaRPr>
           </a:p>
           <a:p>
             <a:pPr marL="0" indent="0" algn="just">
@@ -4879,7 +4776,7 @@
                 <a:cs typeface="+mn-lt"/>
                 <a:sym typeface="+mn-ea"/>
               </a:rPr>
-              <a:t>Identified functional and non-functional requirements using elicitation techniques </a:t>
+              <a:t>Identified functional and non-functional requirements using elicitation techniques.</a:t>
             </a:r>
             <a:endParaRPr lang="en-US" sz="2400" dirty="0">
               <a:cs typeface="+mn-lt"/>
@@ -4889,7 +4786,7 @@
             <a:pPr marL="0" indent="0" algn="just">
               <a:buNone/>
             </a:pPr>
-            <a:endParaRPr lang="en-US" altLang="en-US" sz="2400">
+            <a:endParaRPr lang="en-US" altLang="en-US" sz="2400" dirty="0">
               <a:cs typeface="+mn-lt"/>
             </a:endParaRPr>
           </a:p>
@@ -5708,143 +5605,125 @@
               </a:tabLst>
             </a:pPr>
             <a:r>
-              <a:rPr lang="en-US" sz="2200" strike="sngStrike" spc="-20" dirty="0">
-                <a:latin typeface="Calibri" panose="020F0502020204030204"/>
+              <a:rPr lang="en-US" sz="2000" strike="sngStrike" spc="-20" dirty="0">
                 <a:cs typeface="Calibri" panose="020F0502020204030204"/>
                 <a:sym typeface="+mn-ea"/>
               </a:rPr>
               <a:t>A</a:t>
             </a:r>
             <a:r>
-              <a:rPr lang="en-US" sz="2200" strike="sngStrike" spc="15" dirty="0">
-                <a:latin typeface="Calibri" panose="020F0502020204030204"/>
+              <a:rPr lang="en-US" sz="2000" strike="sngStrike" spc="15" dirty="0">
                 <a:cs typeface="Calibri" panose="020F0502020204030204"/>
                 <a:sym typeface="+mn-ea"/>
               </a:rPr>
               <a:t>r</a:t>
             </a:r>
             <a:r>
-              <a:rPr lang="en-US" sz="2200" strike="sngStrike" spc="5" dirty="0">
-                <a:latin typeface="Calibri" panose="020F0502020204030204"/>
+              <a:rPr lang="en-US" sz="2000" strike="sngStrike" spc="5" dirty="0">
                 <a:cs typeface="Calibri" panose="020F0502020204030204"/>
                 <a:sym typeface="+mn-ea"/>
               </a:rPr>
               <a:t>c</a:t>
             </a:r>
             <a:r>
-              <a:rPr lang="en-US" sz="2200" strike="sngStrike" spc="15" dirty="0">
-                <a:latin typeface="Calibri" panose="020F0502020204030204"/>
+              <a:rPr lang="en-US" sz="2000" strike="sngStrike" spc="15" dirty="0">
                 <a:cs typeface="Calibri" panose="020F0502020204030204"/>
                 <a:sym typeface="+mn-ea"/>
               </a:rPr>
               <a:t>h</a:t>
             </a:r>
             <a:r>
-              <a:rPr lang="en-US" sz="2200" strike="sngStrike" spc="-35" dirty="0">
-                <a:latin typeface="Calibri" panose="020F0502020204030204"/>
+              <a:rPr lang="en-US" sz="2000" strike="sngStrike" spc="-35" dirty="0">
                 <a:cs typeface="Calibri" panose="020F0502020204030204"/>
                 <a:sym typeface="+mn-ea"/>
               </a:rPr>
               <a:t>i</a:t>
             </a:r>
             <a:r>
-              <a:rPr lang="en-US" sz="2200" strike="sngStrike" spc="-30" dirty="0">
-                <a:latin typeface="Calibri" panose="020F0502020204030204"/>
+              <a:rPr lang="en-US" sz="2000" strike="sngStrike" spc="-30" dirty="0">
                 <a:cs typeface="Calibri" panose="020F0502020204030204"/>
                 <a:sym typeface="+mn-ea"/>
               </a:rPr>
               <a:t>t</a:t>
             </a:r>
             <a:r>
-              <a:rPr lang="en-US" sz="2200" strike="sngStrike" dirty="0">
-                <a:latin typeface="Calibri" panose="020F0502020204030204"/>
+              <a:rPr lang="en-US" sz="2000" strike="sngStrike" dirty="0">
                 <a:cs typeface="Calibri" panose="020F0502020204030204"/>
                 <a:sym typeface="+mn-ea"/>
               </a:rPr>
               <a:t>e</a:t>
             </a:r>
             <a:r>
-              <a:rPr lang="en-US" sz="2200" strike="sngStrike" spc="10" dirty="0">
-                <a:latin typeface="Calibri" panose="020F0502020204030204"/>
+              <a:rPr lang="en-US" sz="2000" strike="sngStrike" spc="10" dirty="0">
                 <a:cs typeface="Calibri" panose="020F0502020204030204"/>
                 <a:sym typeface="+mn-ea"/>
               </a:rPr>
               <a:t>c</a:t>
             </a:r>
             <a:r>
-              <a:rPr lang="en-US" sz="2200" strike="sngStrike" spc="-30" dirty="0">
-                <a:latin typeface="Calibri" panose="020F0502020204030204"/>
+              <a:rPr lang="en-US" sz="2000" strike="sngStrike" spc="-30" dirty="0">
                 <a:cs typeface="Calibri" panose="020F0502020204030204"/>
                 <a:sym typeface="+mn-ea"/>
               </a:rPr>
               <a:t>t</a:t>
             </a:r>
             <a:r>
-              <a:rPr lang="en-US" sz="2200" strike="sngStrike" spc="15" dirty="0">
-                <a:latin typeface="Calibri" panose="020F0502020204030204"/>
+              <a:rPr lang="en-US" sz="2000" strike="sngStrike" spc="15" dirty="0">
                 <a:cs typeface="Calibri" panose="020F0502020204030204"/>
                 <a:sym typeface="+mn-ea"/>
               </a:rPr>
               <a:t>ur</a:t>
             </a:r>
             <a:r>
-              <a:rPr lang="en-US" sz="2200" strike="sngStrike" dirty="0">
-                <a:latin typeface="Calibri" panose="020F0502020204030204"/>
+              <a:rPr lang="en-US" sz="2000" strike="sngStrike" dirty="0">
                 <a:cs typeface="Calibri" panose="020F0502020204030204"/>
                 <a:sym typeface="+mn-ea"/>
               </a:rPr>
               <a:t>e</a:t>
             </a:r>
             <a:r>
-              <a:rPr lang="en-US" sz="2200" strike="sngStrike" spc="-95" dirty="0">
-                <a:latin typeface="Calibri" panose="020F0502020204030204"/>
+              <a:rPr lang="en-US" sz="2000" strike="sngStrike" spc="-95" dirty="0">
                 <a:cs typeface="Calibri" panose="020F0502020204030204"/>
                 <a:sym typeface="+mn-ea"/>
               </a:rPr>
               <a:t> </a:t>
             </a:r>
             <a:r>
-              <a:rPr lang="en-US" sz="2200" strike="sngStrike" spc="-20" dirty="0">
-                <a:latin typeface="Calibri" panose="020F0502020204030204"/>
+              <a:rPr lang="en-US" sz="2000" strike="sngStrike" spc="-20" dirty="0">
                 <a:cs typeface="Calibri" panose="020F0502020204030204"/>
                 <a:sym typeface="+mn-ea"/>
               </a:rPr>
               <a:t>D</a:t>
             </a:r>
             <a:r>
-              <a:rPr lang="en-US" sz="2200" strike="sngStrike" dirty="0">
-                <a:latin typeface="Calibri" panose="020F0502020204030204"/>
+              <a:rPr lang="en-US" sz="2000" strike="sngStrike" dirty="0">
                 <a:cs typeface="Calibri" panose="020F0502020204030204"/>
                 <a:sym typeface="+mn-ea"/>
               </a:rPr>
               <a:t>es</a:t>
             </a:r>
             <a:r>
-              <a:rPr lang="en-US" sz="2200" strike="sngStrike" spc="-30" dirty="0">
-                <a:latin typeface="Calibri" panose="020F0502020204030204"/>
+              <a:rPr lang="en-US" sz="2000" strike="sngStrike" spc="-30" dirty="0">
                 <a:cs typeface="Calibri" panose="020F0502020204030204"/>
                 <a:sym typeface="+mn-ea"/>
               </a:rPr>
               <a:t>i</a:t>
             </a:r>
             <a:r>
-              <a:rPr lang="en-US" sz="2200" strike="sngStrike" spc="-15" dirty="0">
-                <a:latin typeface="Calibri" panose="020F0502020204030204"/>
+              <a:rPr lang="en-US" sz="2000" strike="sngStrike" spc="-15" dirty="0">
                 <a:cs typeface="Calibri" panose="020F0502020204030204"/>
                 <a:sym typeface="+mn-ea"/>
               </a:rPr>
               <a:t>g</a:t>
             </a:r>
             <a:r>
-              <a:rPr lang="en-US" sz="2200" strike="sngStrike" dirty="0">
-                <a:latin typeface="Calibri" panose="020F0502020204030204"/>
+              <a:rPr lang="en-US" sz="2000" strike="sngStrike" dirty="0">
                 <a:cs typeface="Calibri" panose="020F0502020204030204"/>
                 <a:sym typeface="+mn-ea"/>
               </a:rPr>
               <a:t>n</a:t>
             </a:r>
-            <a:endParaRPr lang="en-US" sz="2200" dirty="0">
-              <a:latin typeface="Calibri" panose="020F0502020204030204"/>
+            <a:endParaRPr lang="en-US" sz="2000" dirty="0">
               <a:cs typeface="Calibri" panose="020F0502020204030204"/>
             </a:endParaRPr>
           </a:p>
@@ -5861,31 +5740,27 @@
               </a:tabLst>
             </a:pPr>
             <a:r>
-              <a:rPr lang="en-US" sz="2200" strike="sngStrike" spc="-15" dirty="0">
-                <a:latin typeface="Calibri" panose="020F0502020204030204"/>
+              <a:rPr lang="en-US" sz="2000" strike="sngStrike" spc="-15" dirty="0">
                 <a:cs typeface="Calibri" panose="020F0502020204030204"/>
                 <a:sym typeface="+mn-ea"/>
               </a:rPr>
               <a:t>Activity</a:t>
             </a:r>
             <a:r>
-              <a:rPr lang="en-US" sz="2200" strike="sngStrike" spc="50" dirty="0">
-                <a:latin typeface="Calibri" panose="020F0502020204030204"/>
+              <a:rPr lang="en-US" sz="2000" strike="sngStrike" spc="50" dirty="0">
                 <a:cs typeface="Calibri" panose="020F0502020204030204"/>
                 <a:sym typeface="+mn-ea"/>
               </a:rPr>
               <a:t> </a:t>
             </a:r>
             <a:r>
-              <a:rPr lang="en-US" sz="2200" strike="sngStrike" spc="-30" dirty="0">
-                <a:latin typeface="Calibri" panose="020F0502020204030204"/>
+              <a:rPr lang="en-US" sz="2000" strike="sngStrike" spc="-30" dirty="0">
                 <a:cs typeface="Calibri" panose="020F0502020204030204"/>
                 <a:sym typeface="+mn-ea"/>
               </a:rPr>
               <a:t>Diagrams</a:t>
             </a:r>
-            <a:endParaRPr lang="en-US" sz="2200" dirty="0">
-              <a:latin typeface="Calibri" panose="020F0502020204030204"/>
+            <a:endParaRPr lang="en-US" sz="2000" dirty="0">
               <a:cs typeface="Calibri" panose="020F0502020204030204"/>
             </a:endParaRPr>
           </a:p>
@@ -5902,45 +5777,96 @@
               </a:tabLst>
             </a:pPr>
             <a:r>
-              <a:rPr lang="en-US" sz="2200" strike="sngStrike" dirty="0">
-                <a:latin typeface="Calibri" panose="020F0502020204030204"/>
+              <a:rPr lang="en-US" sz="2000" strike="sngStrike" dirty="0">
                 <a:cs typeface="Calibri" panose="020F0502020204030204"/>
                 <a:sym typeface="+mn-ea"/>
               </a:rPr>
               <a:t>Use</a:t>
             </a:r>
             <a:r>
-              <a:rPr lang="en-US" sz="2200" strike="sngStrike" spc="-40" dirty="0">
-                <a:latin typeface="Calibri" panose="020F0502020204030204"/>
+              <a:rPr lang="en-US" sz="2000" strike="sngStrike" spc="-40" dirty="0">
                 <a:cs typeface="Calibri" panose="020F0502020204030204"/>
                 <a:sym typeface="+mn-ea"/>
               </a:rPr>
               <a:t> </a:t>
             </a:r>
             <a:r>
-              <a:rPr lang="en-US" sz="2200" strike="sngStrike" spc="-10" dirty="0">
-                <a:latin typeface="Calibri" panose="020F0502020204030204"/>
+              <a:rPr lang="en-US" sz="2000" strike="sngStrike" spc="-10" dirty="0">
                 <a:cs typeface="Calibri" panose="020F0502020204030204"/>
                 <a:sym typeface="+mn-ea"/>
               </a:rPr>
               <a:t>Case</a:t>
             </a:r>
             <a:r>
-              <a:rPr lang="en-US" sz="2200" strike="sngStrike" spc="35" dirty="0">
-                <a:latin typeface="Calibri" panose="020F0502020204030204"/>
+              <a:rPr lang="en-US" sz="2000" strike="sngStrike" spc="35" dirty="0">
                 <a:cs typeface="Calibri" panose="020F0502020204030204"/>
                 <a:sym typeface="+mn-ea"/>
               </a:rPr>
               <a:t> </a:t>
             </a:r>
             <a:r>
-              <a:rPr lang="en-US" sz="2200" strike="sngStrike" spc="-30" dirty="0">
-                <a:latin typeface="Calibri" panose="020F0502020204030204"/>
+              <a:rPr lang="en-US" sz="2000" strike="sngStrike" spc="-30" dirty="0">
                 <a:cs typeface="Calibri" panose="020F0502020204030204"/>
                 <a:sym typeface="+mn-ea"/>
               </a:rPr>
               <a:t>Diagrams</a:t>
             </a:r>
+          </a:p>
+          <a:p>
+            <a:pPr marL="812165" lvl="1" indent="-342900">
+              <a:spcBef>
+                <a:spcPts val="485"/>
+              </a:spcBef>
+              <a:buFont typeface="Arial" panose="020B0604020202020204" pitchFamily="34" charset="0"/>
+              <a:buChar char="•"/>
+              <a:tabLst>
+                <a:tab pos="699135" algn="l"/>
+                <a:tab pos="699770" algn="l"/>
+              </a:tabLst>
+            </a:pPr>
+            <a:r>
+              <a:rPr lang="en-US" sz="2000" strike="sngStrike" spc="-30" dirty="0">
+                <a:cs typeface="Calibri" panose="020F0502020204030204"/>
+                <a:sym typeface="+mn-ea"/>
+              </a:rPr>
+              <a:t>MVC Diagram</a:t>
+            </a:r>
+          </a:p>
+          <a:p>
+            <a:pPr marL="812165" lvl="1" indent="-342900">
+              <a:spcBef>
+                <a:spcPts val="485"/>
+              </a:spcBef>
+              <a:buFont typeface="Arial" panose="020B0604020202020204" pitchFamily="34" charset="0"/>
+              <a:buChar char="•"/>
+              <a:tabLst>
+                <a:tab pos="699135" algn="l"/>
+                <a:tab pos="699770" algn="l"/>
+              </a:tabLst>
+            </a:pPr>
+            <a:r>
+              <a:rPr lang="en-US" sz="2000" strike="sngStrike" spc="-30" dirty="0">
+                <a:cs typeface="Calibri" panose="020F0502020204030204"/>
+                <a:sym typeface="+mn-ea"/>
+              </a:rPr>
+              <a:t>Deployment Diagram</a:t>
+            </a:r>
+            <a:endParaRPr lang="en-GB" sz="2000" dirty="0">
+              <a:cs typeface="Times New Roman" panose="02020603050405020304" pitchFamily="18" charset="0"/>
+            </a:endParaRPr>
+          </a:p>
+          <a:p>
+            <a:pPr marL="812165" lvl="1" indent="-342900">
+              <a:spcBef>
+                <a:spcPts val="485"/>
+              </a:spcBef>
+              <a:buFont typeface="Arial" panose="020B0604020202020204" pitchFamily="34" charset="0"/>
+              <a:buChar char="•"/>
+              <a:tabLst>
+                <a:tab pos="699135" algn="l"/>
+                <a:tab pos="699770" algn="l"/>
+              </a:tabLst>
+            </a:pPr>
             <a:endParaRPr lang="en-US" sz="2200" dirty="0"/>
           </a:p>
         </p:txBody>
@@ -5997,7 +5923,6 @@
               <a:rPr lang="en-US" dirty="0"/>
               <a:t>Prototype &amp; Report</a:t>
             </a:r>
-            <a:endParaRPr lang="en-US" dirty="0"/>
           </a:p>
         </p:txBody>
       </p:sp>
@@ -6075,7 +6000,6 @@
               <a:rPr lang="en-US" dirty="0"/>
               <a:t>Prototype</a:t>
             </a:r>
-            <a:endParaRPr lang="en-US" dirty="0"/>
           </a:p>
         </p:txBody>
       </p:sp>
@@ -6144,7 +6068,6 @@
               <a:rPr lang="en-US" dirty="0"/>
               <a:t>Report</a:t>
             </a:r>
-            <a:endParaRPr lang="en-US" dirty="0"/>
           </a:p>
         </p:txBody>
       </p:sp>
@@ -6168,7 +6091,6 @@
               <a:rPr lang="en-US" dirty="0"/>
               <a:t>Chapter 1: Introduction</a:t>
             </a:r>
-            <a:endParaRPr lang="en-US" dirty="0"/>
           </a:p>
           <a:p>
             <a:pPr eaLnBrk="1" hangingPunct="1"/>
@@ -6176,7 +6098,6 @@
               <a:rPr lang="en-US" dirty="0"/>
               <a:t>Chapter 2: Literature / Market Survey</a:t>
             </a:r>
-            <a:endParaRPr lang="en-US" dirty="0"/>
           </a:p>
           <a:p>
             <a:pPr eaLnBrk="1" hangingPunct="1"/>
@@ -6184,7 +6105,6 @@
               <a:rPr lang="en-US" dirty="0"/>
               <a:t>Chapter 3: Requirement Analysis</a:t>
             </a:r>
-            <a:endParaRPr lang="en-US" dirty="0"/>
           </a:p>
           <a:p>
             <a:pPr eaLnBrk="1" hangingPunct="1"/>
@@ -6192,7 +6112,6 @@
               <a:rPr lang="en-US" dirty="0"/>
               <a:t>Chapter 4: System Design</a:t>
             </a:r>
-            <a:endParaRPr lang="en-US" dirty="0"/>
           </a:p>
           <a:p>
             <a:pPr eaLnBrk="1" hangingPunct="1"/>
@@ -6200,7 +6119,6 @@
               <a:rPr lang="en-US" dirty="0"/>
               <a:t>Chapter 5: Implementation</a:t>
             </a:r>
-            <a:endParaRPr lang="en-US" dirty="0"/>
           </a:p>
           <a:p>
             <a:pPr eaLnBrk="1" hangingPunct="1"/>
@@ -6208,7 +6126,6 @@
               <a:rPr lang="en-US" dirty="0"/>
               <a:t>Chapter 6: Testing &amp; Evaluations</a:t>
             </a:r>
-            <a:endParaRPr lang="en-US" dirty="0"/>
           </a:p>
           <a:p>
             <a:pPr eaLnBrk="1" hangingPunct="1"/>
@@ -6216,7 +6133,6 @@
               <a:rPr lang="en-US" dirty="0"/>
               <a:t>Chapter 7: Conclusion &amp; Outlook</a:t>
             </a:r>
-            <a:endParaRPr lang="en-US" dirty="0"/>
           </a:p>
         </p:txBody>
       </p:sp>
@@ -6265,7 +6181,6 @@
               <a:rPr lang="en-US"/>
               <a:t>Project Team</a:t>
             </a:r>
-            <a:endParaRPr lang="en-US"/>
           </a:p>
         </p:txBody>
       </p:sp>
@@ -6289,7 +6204,6 @@
               <a:rPr lang="en-US"/>
               <a:t>Sana Ullah 13328</a:t>
             </a:r>
-            <a:endParaRPr lang="en-US"/>
           </a:p>
           <a:p>
             <a:pPr eaLnBrk="1" hangingPunct="1"/>
@@ -6297,7 +6211,6 @@
               <a:rPr lang="en-US"/>
               <a:t>Hammad Javed 26693</a:t>
             </a:r>
-            <a:endParaRPr lang="en-US"/>
           </a:p>
         </p:txBody>
       </p:sp>
@@ -6346,7 +6259,6 @@
               <a:rPr lang="en-US"/>
               <a:t>Table of Content</a:t>
             </a:r>
-            <a:endParaRPr lang="en-US"/>
           </a:p>
         </p:txBody>
       </p:sp>
@@ -6370,7 +6282,6 @@
               <a:rPr lang="en-US" sz="2800" dirty="0"/>
               <a:t>Opportunity &amp; Stakeholders </a:t>
             </a:r>
-            <a:endParaRPr lang="en-US" sz="2800" dirty="0"/>
           </a:p>
           <a:p>
             <a:pPr eaLnBrk="1" hangingPunct="1"/>
@@ -6378,7 +6289,6 @@
               <a:rPr lang="en-US" sz="2800" dirty="0"/>
               <a:t>Solution</a:t>
             </a:r>
-            <a:endParaRPr lang="en-US" sz="2800" dirty="0"/>
           </a:p>
           <a:p>
             <a:pPr eaLnBrk="1" hangingPunct="1"/>
@@ -6386,7 +6296,6 @@
               <a:rPr lang="en-US" sz="2800" dirty="0"/>
               <a:t>Progress Report Summary</a:t>
             </a:r>
-            <a:endParaRPr lang="en-US" sz="2800" dirty="0"/>
           </a:p>
           <a:p>
             <a:pPr lvl="1" eaLnBrk="1" hangingPunct="1"/>
@@ -6394,7 +6303,6 @@
               <a:rPr lang="en-US" sz="2400" dirty="0"/>
               <a:t>Requirements</a:t>
             </a:r>
-            <a:endParaRPr lang="en-US" sz="2400" dirty="0"/>
           </a:p>
           <a:p>
             <a:pPr lvl="1" eaLnBrk="1" hangingPunct="1"/>
@@ -6402,7 +6310,6 @@
               <a:rPr lang="en-US" sz="2400" dirty="0"/>
               <a:t>Software System (Design + Implementation + Testing)</a:t>
             </a:r>
-            <a:endParaRPr lang="en-US" sz="2400" dirty="0"/>
           </a:p>
           <a:p>
             <a:pPr lvl="1" eaLnBrk="1" hangingPunct="1"/>
@@ -6410,7 +6317,6 @@
               <a:rPr lang="en-US" sz="2400" dirty="0"/>
               <a:t>Endeavour (Team + Work + Way of Working)</a:t>
             </a:r>
-            <a:endParaRPr lang="en-US" sz="2400" dirty="0"/>
           </a:p>
           <a:p>
             <a:pPr eaLnBrk="1" hangingPunct="1"/>
@@ -6418,7 +6324,6 @@
               <a:rPr lang="en-US" sz="2800" dirty="0"/>
               <a:t>Next Steps</a:t>
             </a:r>
-            <a:endParaRPr lang="en-US" sz="2800" dirty="0"/>
           </a:p>
           <a:p>
             <a:pPr eaLnBrk="1" hangingPunct="1"/>
@@ -6426,7 +6331,6 @@
               <a:rPr lang="en-US" sz="2800" dirty="0"/>
               <a:t>Prototype / Report</a:t>
             </a:r>
-            <a:endParaRPr lang="en-US" sz="2800" dirty="0"/>
           </a:p>
         </p:txBody>
       </p:sp>
@@ -6482,7 +6386,6 @@
               <a:rPr lang="en-US" dirty="0"/>
               <a:t>Opportunity &amp; Stakeholders</a:t>
             </a:r>
-            <a:endParaRPr lang="en-US" dirty="0"/>
           </a:p>
         </p:txBody>
       </p:sp>
@@ -6560,7 +6463,6 @@
               <a:rPr lang="en-US" dirty="0"/>
               <a:t>Opportunity </a:t>
             </a:r>
-            <a:endParaRPr lang="en-US" dirty="0"/>
           </a:p>
         </p:txBody>
       </p:sp>
@@ -6588,54 +6490,48 @@
               <a:buNone/>
             </a:pPr>
             <a:r>
-              <a:rPr lang="en-US" altLang="en-US" sz="2400" b="1"/>
+              <a:rPr lang="en-US" altLang="en-US" sz="2400" b="1" dirty="0"/>
               <a:t>Hard to Find Good Workers</a:t>
             </a:r>
-            <a:endParaRPr lang="en-US" altLang="en-US" sz="2400" b="1"/>
           </a:p>
           <a:p>
             <a:pPr algn="just" eaLnBrk="1" hangingPunct="1"/>
             <a:r>
-              <a:rPr lang="en-US" altLang="en-US" sz="2400"/>
+              <a:rPr lang="en-US" altLang="en-US" sz="2400" dirty="0"/>
               <a:t>People often struggle to find reliable and skilled workers like plumbers or electricians. Many times, they don't know who to trust or where to look.</a:t>
             </a:r>
-            <a:endParaRPr lang="en-US" altLang="en-US" sz="2400"/>
           </a:p>
           <a:p>
             <a:pPr marL="0" indent="0" algn="just" eaLnBrk="1" hangingPunct="1">
               <a:buNone/>
             </a:pPr>
             <a:r>
-              <a:rPr lang="en-US" altLang="en-US" sz="2400" b="1"/>
+              <a:rPr lang="en-US" altLang="en-US" sz="2400" b="1" dirty="0"/>
               <a:t>Takes Too Much Time</a:t>
             </a:r>
-            <a:endParaRPr lang="en-US" altLang="en-US" sz="2400" b="1"/>
           </a:p>
           <a:p>
             <a:pPr algn="just" eaLnBrk="1" hangingPunct="1"/>
             <a:r>
-              <a:rPr lang="en-US" altLang="en-US" sz="2400"/>
+              <a:rPr lang="en-US" altLang="en-US" sz="2400" dirty="0"/>
               <a:t>Searching for a worker, calling around, and comparing prices or availability can waste a lot of time and effort for both customers and workers.</a:t>
             </a:r>
-            <a:endParaRPr lang="en-US" altLang="en-US" sz="2400"/>
           </a:p>
           <a:p>
             <a:pPr marL="0" indent="0" algn="just" eaLnBrk="1" hangingPunct="1">
               <a:buNone/>
             </a:pPr>
             <a:r>
-              <a:rPr lang="en-US" altLang="en-US" sz="2400" b="1"/>
+              <a:rPr lang="en-US" altLang="en-US" sz="2400" b="1" dirty="0"/>
               <a:t>Help Needed in Emergencies</a:t>
             </a:r>
-            <a:endParaRPr lang="en-US" altLang="en-US" sz="2400" b="1"/>
           </a:p>
           <a:p>
             <a:pPr algn="just" eaLnBrk="1" hangingPunct="1"/>
             <a:r>
-              <a:rPr lang="en-US" altLang="en-US" sz="2400"/>
+              <a:rPr lang="en-US" altLang="en-US" sz="2400" dirty="0"/>
               <a:t>In urgent situations like a gas leak or electrical problem, people need quick help but don’t have a fast way to contact nearby professionals.</a:t>
             </a:r>
-            <a:endParaRPr lang="en-US" altLang="en-US" sz="2400"/>
           </a:p>
         </p:txBody>
       </p:sp>
@@ -6656,7 +6552,14 @@
         <p:cNvGrpSpPr/>
         <p:nvPr/>
       </p:nvGrpSpPr>
-      <p:grpSpPr/>
+      <p:grpSpPr>
+        <a:xfrm>
+          <a:off x="0" y="0"/>
+          <a:ext cx="0" cy="0"/>
+          <a:chOff x="0" y="0"/>
+          <a:chExt cx="0" cy="0"/>
+        </a:xfrm>
+      </p:grpSpPr>
       <p:sp>
         <p:nvSpPr>
           <p:cNvPr id="2" name="Title 1"/>
@@ -6670,6 +6573,7 @@
         <p:spPr/>
         <p:txBody>
           <a:bodyPr/>
+          <a:lstStyle/>
           <a:p>
             <a:r>
               <a:rPr lang="en-US" dirty="0">
@@ -6694,6 +6598,7 @@
         <p:spPr/>
         <p:txBody>
           <a:bodyPr/>
+          <a:lstStyle/>
           <a:p>
             <a:pPr marL="0" marR="0" lvl="0" indent="0" algn="just" defTabSz="914400" rtl="0" eaLnBrk="0" fontAlgn="base" latinLnBrk="0" hangingPunct="0">
               <a:lnSpc>
@@ -6797,7 +6702,6 @@
               <a:rPr lang="en-US" dirty="0"/>
               <a:t>Solution</a:t>
             </a:r>
-            <a:endParaRPr lang="en-US" dirty="0"/>
           </a:p>
         </p:txBody>
       </p:sp>
@@ -6828,7 +6732,6 @@
               <a:rPr lang="en-US" altLang="en-US" sz="2400"/>
               <a:t>SkillLink is a mobile app that helps people quickly find trusted skilled workers like plumbers, electricians, and house cleaners.</a:t>
             </a:r>
-            <a:endParaRPr lang="en-US" altLang="en-US" sz="2400"/>
           </a:p>
           <a:p>
             <a:pPr algn="just"/>
@@ -6836,7 +6739,6 @@
               <a:rPr lang="en-US" altLang="en-US" sz="2400"/>
               <a:t>The app uses real-time location to show nearby workers, so you can get help fast.</a:t>
             </a:r>
-            <a:endParaRPr lang="en-US" altLang="en-US" sz="2400"/>
           </a:p>
           <a:p>
             <a:pPr algn="just"/>
@@ -6844,7 +6746,6 @@
               <a:rPr lang="en-US" altLang="en-US" sz="2400"/>
               <a:t>You can check worker profiles book services in this mobile  application.</a:t>
             </a:r>
-            <a:endParaRPr lang="en-US" altLang="en-US" sz="2400"/>
           </a:p>
           <a:p>
             <a:pPr algn="just"/>
@@ -6852,7 +6753,6 @@
               <a:rPr lang="en-US" altLang="en-US" sz="2400"/>
               <a:t>Prices are clear and fair, with no hidden charges.</a:t>
             </a:r>
-            <a:endParaRPr lang="en-US" altLang="en-US" sz="2400"/>
           </a:p>
           <a:p>
             <a:pPr algn="just"/>
@@ -6860,7 +6760,6 @@
               <a:rPr lang="en-US" altLang="en-US" sz="2400"/>
               <a:t> SkillLink helps you find the right person for the job, even in an emergency.</a:t>
             </a:r>
-            <a:endParaRPr lang="en-US" altLang="en-US" sz="2400"/>
           </a:p>
         </p:txBody>
       </p:sp>
@@ -6923,7 +6822,6 @@
               <a:rPr lang="en-US" dirty="0"/>
               <a:t>Summary</a:t>
             </a:r>
-            <a:endParaRPr lang="en-US" dirty="0"/>
           </a:p>
         </p:txBody>
       </p:sp>
@@ -7000,7 +6898,6 @@
               <a:rPr lang="en-US" dirty="0"/>
               <a:t>Requirements</a:t>
             </a:r>
-            <a:endParaRPr lang="en-US" dirty="0"/>
           </a:p>
         </p:txBody>
       </p:sp>
@@ -7028,9 +6925,6 @@
               </a:rPr>
               <a:t>Elicitation Techniques / Tools</a:t>
             </a:r>
-            <a:endParaRPr lang="en-US" sz="2000" b="1" dirty="0">
-              <a:cs typeface="+mn-lt"/>
-            </a:endParaRPr>
           </a:p>
           <a:p>
             <a:pPr algn="just">
@@ -7038,7 +6932,7 @@
               <a:buChar char="•"/>
             </a:pPr>
             <a:r>
-              <a:rPr lang="en-US" sz="2000" b="1" dirty="0" smtClean="0">
+              <a:rPr lang="en-US" sz="2000" b="1" dirty="0">
                 <a:cs typeface="+mn-lt"/>
                 <a:sym typeface="+mn-ea"/>
               </a:rPr>
@@ -7050,9 +6944,6 @@
               </a:rPr>
               <a:t>:</a:t>
             </a:r>
-            <a:endParaRPr lang="en-US" altLang="en-US" sz="2000" b="1" dirty="0">
-              <a:cs typeface="+mn-lt"/>
-            </a:endParaRPr>
           </a:p>
           <a:p>
             <a:pPr algn="just">
@@ -7065,9 +6956,6 @@
               </a:rPr>
               <a:t>Brainstorming:</a:t>
             </a:r>
-            <a:endParaRPr lang="en-US" altLang="en-US" sz="2000" b="1" dirty="0">
-              <a:cs typeface="+mn-lt"/>
-            </a:endParaRPr>
           </a:p>
           <a:p>
             <a:pPr marL="0" indent="0" algn="just">
@@ -7075,13 +6963,39 @@
               <a:buNone/>
             </a:pPr>
             <a:r>
-              <a:rPr lang="en-US" sz="2000" b="1" dirty="0" smtClean="0">
+              <a:rPr lang="en-US" sz="2000" b="1" dirty="0">
                 <a:cs typeface="+mn-lt"/>
                 <a:sym typeface="+mn-ea"/>
               </a:rPr>
               <a:t>Functional Requirements</a:t>
             </a:r>
-            <a:endParaRPr lang="en-US" sz="2000" b="1" dirty="0" smtClean="0">
+          </a:p>
+          <a:p>
+            <a:pPr algn="just"/>
+            <a:r>
+              <a:rPr lang="en-US" sz="2000" b="1" dirty="0">
+                <a:cs typeface="+mn-lt"/>
+                <a:sym typeface="+mn-ea"/>
+              </a:rPr>
+              <a:t>Customer</a:t>
+            </a:r>
+          </a:p>
+          <a:p>
+            <a:pPr algn="just"/>
+            <a:r>
+              <a:rPr lang="en-US" sz="2000" b="1" dirty="0">
+                <a:cs typeface="+mn-lt"/>
+                <a:sym typeface="+mn-ea"/>
+              </a:rPr>
+              <a:t>Worker</a:t>
+            </a:r>
+            <a:r>
+              <a:rPr lang="en-US" altLang="en-US" sz="2000" b="1" dirty="0">
+                <a:sym typeface="+mn-ea"/>
+              </a:rPr>
+              <a:t>(Plumber,Electrician,Cleaner)</a:t>
+            </a:r>
+            <a:endParaRPr lang="en-US" sz="2000" b="1" dirty="0">
               <a:cs typeface="+mn-lt"/>
               <a:sym typeface="+mn-ea"/>
             </a:endParaRPr>
@@ -7089,96 +7003,44 @@
           <a:p>
             <a:pPr algn="just"/>
             <a:r>
-              <a:rPr lang="en-US" sz="2000" b="1" dirty="0" smtClean="0">
-                <a:cs typeface="+mn-lt"/>
-                <a:sym typeface="+mn-ea"/>
-              </a:rPr>
-              <a:t>Customer</a:t>
-            </a:r>
-            <a:endParaRPr lang="en-US" sz="2000" b="1" dirty="0" smtClean="0">
-              <a:cs typeface="+mn-lt"/>
-              <a:sym typeface="+mn-ea"/>
-            </a:endParaRPr>
+              <a:rPr lang="en-US" sz="2000" b="1" dirty="0">
+                <a:cs typeface="+mn-lt"/>
+                <a:sym typeface="+mn-ea"/>
+              </a:rPr>
+              <a:t>Admin</a:t>
+            </a:r>
+          </a:p>
+          <a:p>
+            <a:pPr marL="0" indent="0" algn="just">
+              <a:buNone/>
+            </a:pPr>
+            <a:r>
+              <a:rPr lang="en-US" sz="2000" b="1" dirty="0">
+                <a:cs typeface="+mn-lt"/>
+                <a:sym typeface="+mn-ea"/>
+              </a:rPr>
+              <a:t>Non-Functional Requirements:</a:t>
+            </a:r>
           </a:p>
           <a:p>
             <a:pPr algn="just"/>
             <a:r>
-              <a:rPr lang="en-US" sz="2000" b="1" dirty="0" smtClean="0">
-                <a:cs typeface="+mn-lt"/>
-                <a:sym typeface="+mn-ea"/>
-              </a:rPr>
-              <a:t>Worker</a:t>
-            </a:r>
-            <a:r>
-              <a:rPr lang="en-US" altLang="en-US" sz="2000" b="1" dirty="0">
-                <a:sym typeface="+mn-ea"/>
-              </a:rPr>
-              <a:t>(Plumber,Electrician,Cleaner)</a:t>
-            </a:r>
-            <a:endParaRPr lang="en-US" sz="2000" b="1" dirty="0" smtClean="0">
-              <a:cs typeface="+mn-lt"/>
-              <a:sym typeface="+mn-ea"/>
-            </a:endParaRPr>
-          </a:p>
-          <a:p>
-            <a:pPr algn="just"/>
-            <a:r>
-              <a:rPr lang="en-US" sz="2000" b="1" dirty="0" smtClean="0">
-                <a:cs typeface="+mn-lt"/>
-                <a:sym typeface="+mn-ea"/>
-              </a:rPr>
-              <a:t>Admin</a:t>
-            </a:r>
-            <a:endParaRPr lang="en-US" sz="2000" b="1" dirty="0" smtClean="0">
-              <a:cs typeface="+mn-lt"/>
-              <a:sym typeface="+mn-ea"/>
-            </a:endParaRPr>
+              <a:rPr lang="en-US" sz="2000" b="1" dirty="0">
+                <a:cs typeface="+mn-lt"/>
+              </a:rPr>
+              <a:t>None</a:t>
+            </a:r>
           </a:p>
           <a:p>
             <a:pPr marL="0" indent="0" algn="just">
               <a:buNone/>
             </a:pPr>
             <a:r>
-              <a:rPr lang="en-US" sz="2000" b="1" dirty="0" smtClean="0">
-                <a:cs typeface="+mn-lt"/>
-                <a:sym typeface="+mn-ea"/>
-              </a:rPr>
-              <a:t>Non-Functional Requirements:</a:t>
-            </a:r>
-            <a:endParaRPr lang="en-US" sz="2000" b="1" dirty="0" smtClean="0">
-              <a:cs typeface="+mn-lt"/>
-              <a:sym typeface="+mn-ea"/>
-            </a:endParaRPr>
-          </a:p>
-          <a:p>
-            <a:pPr algn="just"/>
-            <a:r>
               <a:rPr lang="en-US" sz="2000" b="1" dirty="0">
                 <a:cs typeface="+mn-lt"/>
-              </a:rPr>
-              <a:t>None</a:t>
-            </a:r>
-            <a:endParaRPr lang="en-US" sz="2000" b="1" dirty="0">
-              <a:cs typeface="+mn-lt"/>
-            </a:endParaRPr>
-          </a:p>
-          <a:p>
-            <a:pPr marL="0" indent="0" algn="just">
-              <a:buNone/>
-            </a:pPr>
-            <a:r>
-              <a:rPr lang="en-US" sz="2000" b="1" dirty="0" smtClean="0">
-                <a:cs typeface="+mn-lt"/>
-                <a:sym typeface="+mn-ea"/>
-              </a:rPr>
-              <a:t>Use </a:t>
-            </a:r>
-            <a:r>
-              <a:rPr lang="en-US" sz="2000" b="1" dirty="0">
-                <a:cs typeface="+mn-lt"/>
-                <a:sym typeface="+mn-ea"/>
-              </a:rPr>
-              <a:t>Cases</a:t>
+                <a:sym typeface="+mn-ea"/>
+              </a:rPr>
+              <a:t>Use Cases</a:t>
             </a:r>
             <a:endParaRPr lang="en-US" sz="2000" b="1" dirty="0">
               <a:cs typeface="+mn-lt"/>
@@ -7481,6 +7343,8 @@
       </a:bgFillStyleLst>
     </a:fmtScheme>
   </a:themeElements>
+  <a:objectDefaults/>
+  <a:extraClrSchemeLst/>
   <a:extLst>
     <a:ext uri="{05A4C25C-085E-4340-85A3-A5531E510DB2}">
       <thm15:themeFamily xmlns:thm15="http://schemas.microsoft.com/office/thememl/2012/main" name="Office Theme" id="{62F939B6-93AF-4DB8-9C6B-D6C7DFDC589F}" vid="{4A3C46E8-61CC-4603-A589-7422A47A8E4A}"/>
